--- a/thunder引擎说明.pptx
+++ b/thunder引擎说明.pptx
@@ -3719,32 +3719,6 @@
       </p:grpSpPr>
       <p:sp>
         <p:nvSpPr>
-          <p:cNvPr id="65" name="页脚占位符 4"/>
-          <p:cNvSpPr>
-            <a:spLocks noGrp="1"/>
-          </p:cNvSpPr>
-          <p:nvPr>
-            <p:ph type="ftr" sz="quarter" idx="11"/>
-          </p:nvPr>
-        </p:nvSpPr>
-        <p:spPr/>
-        <p:txBody>
-          <a:bodyPr/>
-          <a:lstStyle/>
-          <a:p>
-            <a:pPr>
-              <a:defRPr/>
-            </a:pPr>
-            <a:r>
-              <a:rPr lang="en-US" altLang="zh-CN"/>
-              <a:t>Company Logo</a:t>
-            </a:r>
-            <a:endParaRPr lang="en-US" altLang="zh-CN"/>
-          </a:p>
-        </p:txBody>
-      </p:sp>
-      <p:sp>
-        <p:nvSpPr>
           <p:cNvPr id="19459" name="Rectangle 2"/>
           <p:cNvSpPr>
             <a:spLocks noGrp="1" noChangeArrowheads="1"/>
@@ -3799,30 +3773,6 @@
           </a:p>
         </p:txBody>
       </p:sp>
-      <p:pic>
-        <p:nvPicPr>
-          <p:cNvPr id="2" name="图片 1"/>
-          <p:cNvPicPr>
-            <a:picLocks noChangeAspect="1"/>
-          </p:cNvPicPr>
-          <p:nvPr/>
-        </p:nvPicPr>
-        <p:blipFill>
-          <a:blip r:embed="rId1" cstate="print"/>
-          <a:stretch>
-            <a:fillRect/>
-          </a:stretch>
-        </p:blipFill>
-        <p:spPr>
-          <a:xfrm>
-            <a:off x="7162800" y="152400"/>
-            <a:ext cx="1955165" cy="307340"/>
-          </a:xfrm>
-          <a:prstGeom prst="rect">
-            <a:avLst/>
-          </a:prstGeom>
-        </p:spPr>
-      </p:pic>
       <p:graphicFrame>
         <p:nvGraphicFramePr>
           <p:cNvPr id="4" name="对象 3"/>
@@ -3837,12 +3787,12 @@
           <a:graphicData uri="http://schemas.openxmlformats.org/presentationml/2006/ole">
             <mc:AlternateContent xmlns:mc="http://schemas.openxmlformats.org/markup-compatibility/2006">
               <mc:Choice xmlns:v="urn:schemas-microsoft-com:vml" Requires="v">
-                <p:oleObj spid="_x0000_s2049" name="" r:id="rId2" imgW="6985000" imgH="8864600" progId="Visio.Drawing.11">
+                <p:oleObj spid="_x0000_s2049" name="" r:id="rId1" imgW="6985000" imgH="8864600" progId="Visio.Drawing.11">
                   <p:embed/>
                 </p:oleObj>
               </mc:Choice>
               <mc:Fallback>
-                <p:oleObj name="" r:id="rId2" imgW="6985000" imgH="8864600" progId="Visio.Drawing.11">
+                <p:oleObj name="" r:id="rId1" imgW="6985000" imgH="8864600" progId="Visio.Drawing.11">
                   <p:embed/>
                   <p:pic>
                     <p:nvPicPr>
@@ -3851,7 +3801,7 @@
                       <p:nvPr/>
                     </p:nvPicPr>
                     <p:blipFill>
-                      <a:blip r:embed="rId3"/>
+                      <a:blip r:embed="rId2"/>
                       <a:stretch>
                         <a:fillRect/>
                       </a:stretch>
@@ -4028,32 +3978,6 @@
       </p:grpSpPr>
       <p:sp>
         <p:nvSpPr>
-          <p:cNvPr id="65" name="页脚占位符 4"/>
-          <p:cNvSpPr>
-            <a:spLocks noGrp="1"/>
-          </p:cNvSpPr>
-          <p:nvPr>
-            <p:ph type="ftr" sz="quarter" idx="11"/>
-          </p:nvPr>
-        </p:nvSpPr>
-        <p:spPr/>
-        <p:txBody>
-          <a:bodyPr/>
-          <a:lstStyle/>
-          <a:p>
-            <a:pPr>
-              <a:defRPr/>
-            </a:pPr>
-            <a:r>
-              <a:rPr lang="en-US" altLang="zh-CN"/>
-              <a:t>Company Logo</a:t>
-            </a:r>
-            <a:endParaRPr lang="en-US" altLang="zh-CN"/>
-          </a:p>
-        </p:txBody>
-      </p:sp>
-      <p:sp>
-        <p:nvSpPr>
           <p:cNvPr id="19459" name="Rectangle 2"/>
           <p:cNvSpPr>
             <a:spLocks noGrp="1" noChangeArrowheads="1"/>
@@ -4108,30 +4032,6 @@
           </a:p>
         </p:txBody>
       </p:sp>
-      <p:pic>
-        <p:nvPicPr>
-          <p:cNvPr id="2" name="图片 1"/>
-          <p:cNvPicPr>
-            <a:picLocks noChangeAspect="1"/>
-          </p:cNvPicPr>
-          <p:nvPr/>
-        </p:nvPicPr>
-        <p:blipFill>
-          <a:blip r:embed="rId1" cstate="print"/>
-          <a:stretch>
-            <a:fillRect/>
-          </a:stretch>
-        </p:blipFill>
-        <p:spPr>
-          <a:xfrm>
-            <a:off x="7162800" y="152400"/>
-            <a:ext cx="1955165" cy="307340"/>
-          </a:xfrm>
-          <a:prstGeom prst="rect">
-            <a:avLst/>
-          </a:prstGeom>
-        </p:spPr>
-      </p:pic>
       <p:sp>
         <p:nvSpPr>
           <p:cNvPr id="10" name="文本框 9"/>
@@ -4327,12 +4227,12 @@
           <a:graphicData uri="http://schemas.openxmlformats.org/presentationml/2006/ole">
             <mc:AlternateContent xmlns:mc="http://schemas.openxmlformats.org/markup-compatibility/2006">
               <mc:Choice xmlns:v="urn:schemas-microsoft-com:vml" Requires="v">
-                <p:oleObj spid="_x0000_s3073" name="" r:id="rId2" imgW="7137400" imgH="12369800" progId="Visio.Drawing.11">
+                <p:oleObj spid="_x0000_s3073" name="" r:id="rId1" imgW="7137400" imgH="12369800" progId="Visio.Drawing.11">
                   <p:embed/>
                 </p:oleObj>
               </mc:Choice>
               <mc:Fallback>
-                <p:oleObj name="" r:id="rId2" imgW="7137400" imgH="12369800" progId="Visio.Drawing.11">
+                <p:oleObj name="" r:id="rId1" imgW="7137400" imgH="12369800" progId="Visio.Drawing.11">
                   <p:embed/>
                   <p:pic>
                     <p:nvPicPr>
@@ -4341,7 +4241,7 @@
                       <p:nvPr/>
                     </p:nvPicPr>
                     <p:blipFill>
-                      <a:blip r:embed="rId3"/>
+                      <a:blip r:embed="rId2"/>
                       <a:stretch>
                         <a:fillRect/>
                       </a:stretch>
@@ -4380,12 +4280,12 @@
           <a:graphicData uri="http://schemas.openxmlformats.org/presentationml/2006/ole">
             <mc:AlternateContent xmlns:mc="http://schemas.openxmlformats.org/markup-compatibility/2006">
               <mc:Choice xmlns:v="urn:schemas-microsoft-com:vml" Requires="v">
-                <p:oleObj spid="_x0000_s4" name="" r:id="rId4" imgW="4495800" imgH="1838325" progId="Paint.Picture">
+                <p:oleObj spid="_x0000_s4" name="" r:id="rId3" imgW="4495800" imgH="1838325" progId="Paint.Picture">
                   <p:embed/>
                 </p:oleObj>
               </mc:Choice>
               <mc:Fallback>
-                <p:oleObj name="" r:id="rId4" imgW="4495800" imgH="1838325" progId="Paint.Picture">
+                <p:oleObj name="" r:id="rId3" imgW="4495800" imgH="1838325" progId="Paint.Picture">
                   <p:embed/>
                   <p:pic>
                     <p:nvPicPr>
@@ -4394,7 +4294,7 @@
                       <p:nvPr/>
                     </p:nvPicPr>
                     <p:blipFill>
-                      <a:blip r:embed="rId5"/>
+                      <a:blip r:embed="rId4"/>
                       <a:stretch>
                         <a:fillRect/>
                       </a:stretch>
@@ -4498,32 +4398,6 @@
       </p:grpSpPr>
       <p:sp>
         <p:nvSpPr>
-          <p:cNvPr id="65" name="页脚占位符 4"/>
-          <p:cNvSpPr>
-            <a:spLocks noGrp="1"/>
-          </p:cNvSpPr>
-          <p:nvPr>
-            <p:ph type="ftr" sz="quarter" idx="11"/>
-          </p:nvPr>
-        </p:nvSpPr>
-        <p:spPr/>
-        <p:txBody>
-          <a:bodyPr/>
-          <a:lstStyle/>
-          <a:p>
-            <a:pPr>
-              <a:defRPr/>
-            </a:pPr>
-            <a:r>
-              <a:rPr lang="en-US" altLang="zh-CN"/>
-              <a:t>Company Logo</a:t>
-            </a:r>
-            <a:endParaRPr lang="en-US" altLang="zh-CN"/>
-          </a:p>
-        </p:txBody>
-      </p:sp>
-      <p:sp>
-        <p:nvSpPr>
           <p:cNvPr id="19459" name="Rectangle 2"/>
           <p:cNvSpPr>
             <a:spLocks noGrp="1" noChangeArrowheads="1"/>
@@ -4578,30 +4452,6 @@
           </a:p>
         </p:txBody>
       </p:sp>
-      <p:pic>
-        <p:nvPicPr>
-          <p:cNvPr id="2" name="图片 1"/>
-          <p:cNvPicPr>
-            <a:picLocks noChangeAspect="1"/>
-          </p:cNvPicPr>
-          <p:nvPr/>
-        </p:nvPicPr>
-        <p:blipFill>
-          <a:blip r:embed="rId1" cstate="print"/>
-          <a:stretch>
-            <a:fillRect/>
-          </a:stretch>
-        </p:blipFill>
-        <p:spPr>
-          <a:xfrm>
-            <a:off x="7162800" y="152400"/>
-            <a:ext cx="1955165" cy="307340"/>
-          </a:xfrm>
-          <a:prstGeom prst="rect">
-            <a:avLst/>
-          </a:prstGeom>
-        </p:spPr>
-      </p:pic>
       <p:graphicFrame>
         <p:nvGraphicFramePr>
           <p:cNvPr id="3" name="对象 2"/>
@@ -4616,12 +4466,12 @@
           <a:graphicData uri="http://schemas.openxmlformats.org/presentationml/2006/ole">
             <mc:AlternateContent xmlns:mc="http://schemas.openxmlformats.org/markup-compatibility/2006">
               <mc:Choice xmlns:v="urn:schemas-microsoft-com:vml" Requires="v">
-                <p:oleObj spid="_x0000_s4097" name="" r:id="rId2" imgW="8572500" imgH="9359900" progId="Visio.Drawing.11">
+                <p:oleObj spid="_x0000_s4097" name="" r:id="rId1" imgW="8572500" imgH="9359900" progId="Visio.Drawing.11">
                   <p:embed/>
                 </p:oleObj>
               </mc:Choice>
               <mc:Fallback>
-                <p:oleObj name="" r:id="rId2" imgW="8572500" imgH="9359900" progId="Visio.Drawing.11">
+                <p:oleObj name="" r:id="rId1" imgW="8572500" imgH="9359900" progId="Visio.Drawing.11">
                   <p:embed/>
                   <p:pic>
                     <p:nvPicPr>
@@ -4630,7 +4480,7 @@
                       <p:nvPr/>
                     </p:nvPicPr>
                     <p:blipFill>
-                      <a:blip r:embed="rId3"/>
+                      <a:blip r:embed="rId2"/>
                       <a:stretch>
                         <a:fillRect/>
                       </a:stretch>
@@ -4763,32 +4613,6 @@
       </p:grpSpPr>
       <p:sp>
         <p:nvSpPr>
-          <p:cNvPr id="65" name="页脚占位符 4"/>
-          <p:cNvSpPr>
-            <a:spLocks noGrp="1"/>
-          </p:cNvSpPr>
-          <p:nvPr>
-            <p:ph type="ftr" sz="quarter" idx="11"/>
-          </p:nvPr>
-        </p:nvSpPr>
-        <p:spPr/>
-        <p:txBody>
-          <a:bodyPr/>
-          <a:lstStyle/>
-          <a:p>
-            <a:pPr>
-              <a:defRPr/>
-            </a:pPr>
-            <a:r>
-              <a:rPr lang="en-US" altLang="zh-CN"/>
-              <a:t>Company Logo</a:t>
-            </a:r>
-            <a:endParaRPr lang="en-US" altLang="zh-CN"/>
-          </a:p>
-        </p:txBody>
-      </p:sp>
-      <p:sp>
-        <p:nvSpPr>
           <p:cNvPr id="19459" name="Rectangle 2"/>
           <p:cNvSpPr>
             <a:spLocks noGrp="1" noChangeArrowheads="1"/>
@@ -4843,30 +4667,6 @@
           </a:p>
         </p:txBody>
       </p:sp>
-      <p:pic>
-        <p:nvPicPr>
-          <p:cNvPr id="2" name="图片 1"/>
-          <p:cNvPicPr>
-            <a:picLocks noChangeAspect="1"/>
-          </p:cNvPicPr>
-          <p:nvPr/>
-        </p:nvPicPr>
-        <p:blipFill>
-          <a:blip r:embed="rId1" cstate="print"/>
-          <a:stretch>
-            <a:fillRect/>
-          </a:stretch>
-        </p:blipFill>
-        <p:spPr>
-          <a:xfrm>
-            <a:off x="7162800" y="152400"/>
-            <a:ext cx="1955165" cy="307340"/>
-          </a:xfrm>
-          <a:prstGeom prst="rect">
-            <a:avLst/>
-          </a:prstGeom>
-        </p:spPr>
-      </p:pic>
       <p:sp>
         <p:nvSpPr>
           <p:cNvPr id="3" name="文本框 2"/>

--- a/thunder引擎说明.pptx
+++ b/thunder引擎说明.pptx
@@ -4,11 +4,15 @@
   <p:sldMasterIdLst>
     <p:sldMasterId id="2147483648" r:id="rId1"/>
   </p:sldMasterIdLst>
+  <p:notesMasterIdLst>
+    <p:notesMasterId r:id="rId7"/>
+  </p:notesMasterIdLst>
   <p:sldIdLst>
     <p:sldId id="410" r:id="rId3"/>
     <p:sldId id="411" r:id="rId4"/>
     <p:sldId id="451" r:id="rId5"/>
-    <p:sldId id="412" r:id="rId6"/>
+    <p:sldId id="453" r:id="rId6"/>
+    <p:sldId id="454" r:id="rId8"/>
   </p:sldIdLst>
   <p:sldSz cx="9144000" cy="6858000" type="screen4x3"/>
   <p:notesSz cx="6858000" cy="9144000"/>
@@ -138,6 +142,397 @@
     </a:lvl9pPr>
   </p:defaultTextStyle>
 </p:presentation>
+</file>
+
+<file path=ppt/notesMasters/notesMaster1.xml><?xml version="1.0" encoding="utf-8"?>
+<p:notesMaster xmlns:a="http://schemas.openxmlformats.org/drawingml/2006/main" xmlns:r="http://schemas.openxmlformats.org/officeDocument/2006/relationships" xmlns:p="http://schemas.openxmlformats.org/presentationml/2006/main">
+  <p:cSld>
+    <p:bg>
+      <p:bgRef idx="1001">
+        <a:schemeClr val="bg1"/>
+      </p:bgRef>
+    </p:bg>
+    <p:spTree>
+      <p:nvGrpSpPr>
+        <p:cNvPr id="1" name=""/>
+        <p:cNvGrpSpPr/>
+        <p:nvPr/>
+      </p:nvGrpSpPr>
+      <p:grpSpPr>
+        <a:xfrm>
+          <a:off x="0" y="0"/>
+          <a:ext cx="0" cy="0"/>
+          <a:chOff x="0" y="0"/>
+          <a:chExt cx="0" cy="0"/>
+        </a:xfrm>
+      </p:grpSpPr>
+      <p:sp>
+        <p:nvSpPr>
+          <p:cNvPr id="2" name="页眉占位符 1"/>
+          <p:cNvSpPr>
+            <a:spLocks noGrp="1"/>
+          </p:cNvSpPr>
+          <p:nvPr>
+            <p:ph type="hdr" sz="quarter"/>
+          </p:nvPr>
+        </p:nvSpPr>
+        <p:spPr>
+          <a:xfrm>
+            <a:off x="0" y="0"/>
+            <a:ext cx="2971800" cy="458788"/>
+          </a:xfrm>
+          <a:prstGeom prst="rect">
+            <a:avLst/>
+          </a:prstGeom>
+        </p:spPr>
+        <p:txBody>
+          <a:bodyPr vert="horz" lIns="91440" tIns="45720" rIns="91440" bIns="45720" rtlCol="0"/>
+          <a:lstStyle>
+            <a:lvl1pPr algn="l">
+              <a:defRPr sz="1200"/>
+            </a:lvl1pPr>
+          </a:lstStyle>
+          <a:p>
+            <a:endParaRPr lang="zh-CN" altLang="en-US"/>
+          </a:p>
+        </p:txBody>
+      </p:sp>
+      <p:sp>
+        <p:nvSpPr>
+          <p:cNvPr id="3" name="日期占位符 2"/>
+          <p:cNvSpPr>
+            <a:spLocks noGrp="1"/>
+          </p:cNvSpPr>
+          <p:nvPr>
+            <p:ph type="dt" idx="1"/>
+          </p:nvPr>
+        </p:nvSpPr>
+        <p:spPr>
+          <a:xfrm>
+            <a:off x="3884613" y="0"/>
+            <a:ext cx="2971800" cy="458788"/>
+          </a:xfrm>
+          <a:prstGeom prst="rect">
+            <a:avLst/>
+          </a:prstGeom>
+        </p:spPr>
+        <p:txBody>
+          <a:bodyPr vert="horz" lIns="91440" tIns="45720" rIns="91440" bIns="45720" rtlCol="0"/>
+          <a:lstStyle>
+            <a:lvl1pPr algn="r">
+              <a:defRPr sz="1200"/>
+            </a:lvl1pPr>
+          </a:lstStyle>
+          <a:p>
+            <a:fld id="{D2A48B96-639E-45A3-A0BA-2464DFDB1FAA}" type="datetimeFigureOut">
+              <a:rPr lang="zh-CN" altLang="en-US" smtClean="0"/>
+            </a:fld>
+            <a:endParaRPr lang="zh-CN" altLang="en-US"/>
+          </a:p>
+        </p:txBody>
+      </p:sp>
+      <p:sp>
+        <p:nvSpPr>
+          <p:cNvPr id="4" name="幻灯片图像占位符 3"/>
+          <p:cNvSpPr>
+            <a:spLocks noGrp="1" noRot="1" noChangeAspect="1"/>
+          </p:cNvSpPr>
+          <p:nvPr>
+            <p:ph type="sldImg" idx="2"/>
+          </p:nvPr>
+        </p:nvSpPr>
+        <p:spPr>
+          <a:xfrm>
+            <a:off x="1371600" y="1143000"/>
+            <a:ext cx="4114800" cy="3086100"/>
+          </a:xfrm>
+          <a:prstGeom prst="rect">
+            <a:avLst/>
+          </a:prstGeom>
+          <a:noFill/>
+          <a:ln w="12700">
+            <a:solidFill>
+              <a:prstClr val="black"/>
+            </a:solidFill>
+          </a:ln>
+        </p:spPr>
+        <p:txBody>
+          <a:bodyPr vert="horz" lIns="91440" tIns="45720" rIns="91440" bIns="45720" rtlCol="0" anchor="ctr"/>
+          <a:lstStyle/>
+          <a:p>
+            <a:endParaRPr lang="zh-CN" altLang="en-US"/>
+          </a:p>
+        </p:txBody>
+      </p:sp>
+      <p:sp>
+        <p:nvSpPr>
+          <p:cNvPr id="5" name="备注占位符 4"/>
+          <p:cNvSpPr>
+            <a:spLocks noGrp="1"/>
+          </p:cNvSpPr>
+          <p:nvPr>
+            <p:ph type="body" sz="quarter" idx="3"/>
+          </p:nvPr>
+        </p:nvSpPr>
+        <p:spPr>
+          <a:xfrm>
+            <a:off x="685800" y="4400550"/>
+            <a:ext cx="5486400" cy="3600450"/>
+          </a:xfrm>
+          <a:prstGeom prst="rect">
+            <a:avLst/>
+          </a:prstGeom>
+        </p:spPr>
+        <p:txBody>
+          <a:bodyPr vert="horz" lIns="91440" tIns="45720" rIns="91440" bIns="45720" rtlCol="0"/>
+          <a:lstStyle/>
+          <a:p>
+            <a:pPr lvl="0"/>
+            <a:r>
+              <a:rPr lang="zh-CN" altLang="en-US" smtClean="0"/>
+              <a:t>单击此处编辑母版文本样式</a:t>
+            </a:r>
+            <a:endParaRPr lang="zh-CN" altLang="en-US" smtClean="0"/>
+          </a:p>
+          <a:p>
+            <a:pPr lvl="1"/>
+            <a:r>
+              <a:rPr lang="zh-CN" altLang="en-US" smtClean="0"/>
+              <a:t>第二级</a:t>
+            </a:r>
+            <a:endParaRPr lang="zh-CN" altLang="en-US" smtClean="0"/>
+          </a:p>
+          <a:p>
+            <a:pPr lvl="2"/>
+            <a:r>
+              <a:rPr lang="zh-CN" altLang="en-US" smtClean="0"/>
+              <a:t>第三级</a:t>
+            </a:r>
+            <a:endParaRPr lang="zh-CN" altLang="en-US" smtClean="0"/>
+          </a:p>
+          <a:p>
+            <a:pPr lvl="3"/>
+            <a:r>
+              <a:rPr lang="zh-CN" altLang="en-US" smtClean="0"/>
+              <a:t>第四级</a:t>
+            </a:r>
+            <a:endParaRPr lang="zh-CN" altLang="en-US" smtClean="0"/>
+          </a:p>
+          <a:p>
+            <a:pPr lvl="4"/>
+            <a:r>
+              <a:rPr lang="zh-CN" altLang="en-US" smtClean="0"/>
+              <a:t>第五级</a:t>
+            </a:r>
+            <a:endParaRPr lang="zh-CN" altLang="en-US"/>
+          </a:p>
+        </p:txBody>
+      </p:sp>
+      <p:sp>
+        <p:nvSpPr>
+          <p:cNvPr id="6" name="页脚占位符 5"/>
+          <p:cNvSpPr>
+            <a:spLocks noGrp="1"/>
+          </p:cNvSpPr>
+          <p:nvPr>
+            <p:ph type="ftr" sz="quarter" idx="4"/>
+          </p:nvPr>
+        </p:nvSpPr>
+        <p:spPr>
+          <a:xfrm>
+            <a:off x="0" y="8685213"/>
+            <a:ext cx="2971800" cy="458787"/>
+          </a:xfrm>
+          <a:prstGeom prst="rect">
+            <a:avLst/>
+          </a:prstGeom>
+        </p:spPr>
+        <p:txBody>
+          <a:bodyPr vert="horz" lIns="91440" tIns="45720" rIns="91440" bIns="45720" rtlCol="0" anchor="b"/>
+          <a:lstStyle>
+            <a:lvl1pPr algn="l">
+              <a:defRPr sz="1200"/>
+            </a:lvl1pPr>
+          </a:lstStyle>
+          <a:p>
+            <a:endParaRPr lang="zh-CN" altLang="en-US"/>
+          </a:p>
+        </p:txBody>
+      </p:sp>
+      <p:sp>
+        <p:nvSpPr>
+          <p:cNvPr id="7" name="灯片编号占位符 6"/>
+          <p:cNvSpPr>
+            <a:spLocks noGrp="1"/>
+          </p:cNvSpPr>
+          <p:nvPr>
+            <p:ph type="sldNum" sz="quarter" idx="5"/>
+          </p:nvPr>
+        </p:nvSpPr>
+        <p:spPr>
+          <a:xfrm>
+            <a:off x="3884613" y="8685213"/>
+            <a:ext cx="2971800" cy="458787"/>
+          </a:xfrm>
+          <a:prstGeom prst="rect">
+            <a:avLst/>
+          </a:prstGeom>
+        </p:spPr>
+        <p:txBody>
+          <a:bodyPr vert="horz" lIns="91440" tIns="45720" rIns="91440" bIns="45720" rtlCol="0" anchor="b"/>
+          <a:lstStyle>
+            <a:lvl1pPr algn="r">
+              <a:defRPr sz="1200"/>
+            </a:lvl1pPr>
+          </a:lstStyle>
+          <a:p>
+            <a:fld id="{A6837353-30EB-4A48-80EB-173D804AEFBD}" type="slidenum">
+              <a:rPr lang="zh-CN" altLang="en-US" smtClean="0"/>
+            </a:fld>
+            <a:endParaRPr lang="zh-CN" altLang="en-US"/>
+          </a:p>
+        </p:txBody>
+      </p:sp>
+    </p:spTree>
+  </p:cSld>
+  <p:clrMap bg1="lt1" tx1="dk1" bg2="lt2" tx2="dk2" accent1="accent1" accent2="accent2" accent3="accent3" accent4="accent4" accent5="accent5" accent6="accent6" hlink="hlink" folHlink="folHlink"/>
+  <p:notesStyle>
+    <a:lvl1pPr marL="0" algn="l" defTabSz="914400" rtl="0" eaLnBrk="1" latinLnBrk="0" hangingPunct="1">
+      <a:defRPr sz="1200" kern="1200">
+        <a:solidFill>
+          <a:schemeClr val="tx1"/>
+        </a:solidFill>
+        <a:latin typeface="+mn-lt"/>
+        <a:ea typeface="+mn-ea"/>
+        <a:cs typeface="+mn-cs"/>
+      </a:defRPr>
+    </a:lvl1pPr>
+    <a:lvl2pPr marL="457200" algn="l" defTabSz="914400" rtl="0" eaLnBrk="1" latinLnBrk="0" hangingPunct="1">
+      <a:defRPr sz="1200" kern="1200">
+        <a:solidFill>
+          <a:schemeClr val="tx1"/>
+        </a:solidFill>
+        <a:latin typeface="+mn-lt"/>
+        <a:ea typeface="+mn-ea"/>
+        <a:cs typeface="+mn-cs"/>
+      </a:defRPr>
+    </a:lvl2pPr>
+    <a:lvl3pPr marL="914400" algn="l" defTabSz="914400" rtl="0" eaLnBrk="1" latinLnBrk="0" hangingPunct="1">
+      <a:defRPr sz="1200" kern="1200">
+        <a:solidFill>
+          <a:schemeClr val="tx1"/>
+        </a:solidFill>
+        <a:latin typeface="+mn-lt"/>
+        <a:ea typeface="+mn-ea"/>
+        <a:cs typeface="+mn-cs"/>
+      </a:defRPr>
+    </a:lvl3pPr>
+    <a:lvl4pPr marL="1371600" algn="l" defTabSz="914400" rtl="0" eaLnBrk="1" latinLnBrk="0" hangingPunct="1">
+      <a:defRPr sz="1200" kern="1200">
+        <a:solidFill>
+          <a:schemeClr val="tx1"/>
+        </a:solidFill>
+        <a:latin typeface="+mn-lt"/>
+        <a:ea typeface="+mn-ea"/>
+        <a:cs typeface="+mn-cs"/>
+      </a:defRPr>
+    </a:lvl4pPr>
+    <a:lvl5pPr marL="1828800" algn="l" defTabSz="914400" rtl="0" eaLnBrk="1" latinLnBrk="0" hangingPunct="1">
+      <a:defRPr sz="1200" kern="1200">
+        <a:solidFill>
+          <a:schemeClr val="tx1"/>
+        </a:solidFill>
+        <a:latin typeface="+mn-lt"/>
+        <a:ea typeface="+mn-ea"/>
+        <a:cs typeface="+mn-cs"/>
+      </a:defRPr>
+    </a:lvl5pPr>
+    <a:lvl6pPr marL="2286000" algn="l" defTabSz="914400" rtl="0" eaLnBrk="1" latinLnBrk="0" hangingPunct="1">
+      <a:defRPr sz="1200" kern="1200">
+        <a:solidFill>
+          <a:schemeClr val="tx1"/>
+        </a:solidFill>
+        <a:latin typeface="+mn-lt"/>
+        <a:ea typeface="+mn-ea"/>
+        <a:cs typeface="+mn-cs"/>
+      </a:defRPr>
+    </a:lvl6pPr>
+    <a:lvl7pPr marL="2743200" algn="l" defTabSz="914400" rtl="0" eaLnBrk="1" latinLnBrk="0" hangingPunct="1">
+      <a:defRPr sz="1200" kern="1200">
+        <a:solidFill>
+          <a:schemeClr val="tx1"/>
+        </a:solidFill>
+        <a:latin typeface="+mn-lt"/>
+        <a:ea typeface="+mn-ea"/>
+        <a:cs typeface="+mn-cs"/>
+      </a:defRPr>
+    </a:lvl7pPr>
+    <a:lvl8pPr marL="3200400" algn="l" defTabSz="914400" rtl="0" eaLnBrk="1" latinLnBrk="0" hangingPunct="1">
+      <a:defRPr sz="1200" kern="1200">
+        <a:solidFill>
+          <a:schemeClr val="tx1"/>
+        </a:solidFill>
+        <a:latin typeface="+mn-lt"/>
+        <a:ea typeface="+mn-ea"/>
+        <a:cs typeface="+mn-cs"/>
+      </a:defRPr>
+    </a:lvl8pPr>
+    <a:lvl9pPr marL="3657600" algn="l" defTabSz="914400" rtl="0" eaLnBrk="1" latinLnBrk="0" hangingPunct="1">
+      <a:defRPr sz="1200" kern="1200">
+        <a:solidFill>
+          <a:schemeClr val="tx1"/>
+        </a:solidFill>
+        <a:latin typeface="+mn-lt"/>
+        <a:ea typeface="+mn-ea"/>
+        <a:cs typeface="+mn-cs"/>
+      </a:defRPr>
+    </a:lvl9pPr>
+  </p:notesStyle>
+</p:notesMaster>
+</file>
+
+<file path=ppt/notesSlides/notesSlide1.xml><?xml version="1.0" encoding="utf-8"?>
+<p:notes xmlns:a="http://schemas.openxmlformats.org/drawingml/2006/main" xmlns:r="http://schemas.openxmlformats.org/officeDocument/2006/relationships" xmlns:p="http://schemas.openxmlformats.org/presentationml/2006/main">
+  <p:cSld>
+    <p:spTree>
+      <p:nvGrpSpPr>
+        <p:cNvPr id="1" name=""/>
+        <p:cNvGrpSpPr/>
+        <p:nvPr/>
+      </p:nvGrpSpPr>
+      <p:grpSpPr/>
+      <p:sp>
+        <p:nvSpPr>
+          <p:cNvPr id="2" name="幻灯片图像占位符 1"/>
+          <p:cNvSpPr/>
+          <p:nvPr>
+            <p:ph type="sldImg" idx="2"/>
+          </p:nvPr>
+        </p:nvSpPr>
+        <p:spPr/>
+      </p:sp>
+      <p:sp>
+        <p:nvSpPr>
+          <p:cNvPr id="3" name="文本占位符 2"/>
+          <p:cNvSpPr/>
+          <p:nvPr>
+            <p:ph type="body" idx="3"/>
+          </p:nvPr>
+        </p:nvSpPr>
+        <p:spPr/>
+        <p:txBody>
+          <a:bodyPr/>
+          <a:p>
+            <a:endParaRPr lang="zh-CN" altLang="en-US"/>
+          </a:p>
+        </p:txBody>
+      </p:sp>
+    </p:spTree>
+  </p:cSld>
+  <p:clrMapOvr>
+    <a:masterClrMapping/>
+  </p:clrMapOvr>
+</p:notes>
 </file>
 
 <file path=ppt/slideLayouts/slideLayout1.xml><?xml version="1.0" encoding="utf-8"?>
@@ -5273,6 +5668,731 @@
 </p:sld>
 </file>
 
+<file path=ppt/slides/slide5.xml><?xml version="1.0" encoding="utf-8"?>
+<p:sld xmlns:a="http://schemas.openxmlformats.org/drawingml/2006/main" xmlns:r="http://schemas.openxmlformats.org/officeDocument/2006/relationships" xmlns:p="http://schemas.openxmlformats.org/presentationml/2006/main">
+  <p:cSld>
+    <p:spTree>
+      <p:nvGrpSpPr>
+        <p:cNvPr id="1" name=""/>
+        <p:cNvGrpSpPr/>
+        <p:nvPr/>
+      </p:nvGrpSpPr>
+      <p:grpSpPr>
+        <a:xfrm>
+          <a:off x="0" y="0"/>
+          <a:ext cx="0" cy="0"/>
+          <a:chOff x="0" y="0"/>
+          <a:chExt cx="0" cy="0"/>
+        </a:xfrm>
+      </p:grpSpPr>
+      <p:sp>
+        <p:nvSpPr>
+          <p:cNvPr id="19459" name="Rectangle 2"/>
+          <p:cNvSpPr>
+            <a:spLocks noGrp="1" noChangeArrowheads="1"/>
+          </p:cNvSpPr>
+          <p:nvPr>
+            <p:ph type="title"/>
+          </p:nvPr>
+        </p:nvSpPr>
+        <p:spPr/>
+        <p:txBody>
+          <a:bodyPr/>
+          <a:lstStyle/>
+          <a:p>
+            <a:pPr eaLnBrk="1" hangingPunct="1"/>
+            <a:r>
+              <a:rPr lang="zh-CN" altLang="en-US">
+                <a:solidFill>
+                  <a:srgbClr val="000000"/>
+                </a:solidFill>
+                <a:ea typeface="宋体" panose="02010600030101010101" pitchFamily="2" charset="-122"/>
+                <a:sym typeface="+mn-ea"/>
+              </a:rPr>
+              <a:t>后台框架设计</a:t>
+            </a:r>
+            <a:r>
+              <a:rPr lang="en-US" altLang="zh-CN">
+                <a:solidFill>
+                  <a:srgbClr val="000000"/>
+                </a:solidFill>
+                <a:ea typeface="宋体" panose="02010600030101010101" pitchFamily="2" charset="-122"/>
+                <a:sym typeface="+mn-ea"/>
+              </a:rPr>
+              <a:t>--</a:t>
+            </a:r>
+            <a:r>
+              <a:rPr lang="zh-CN" altLang="en-US">
+                <a:solidFill>
+                  <a:srgbClr val="000000"/>
+                </a:solidFill>
+                <a:ea typeface="宋体" panose="02010600030101010101" pitchFamily="2" charset="-122"/>
+                <a:sym typeface="+mn-ea"/>
+              </a:rPr>
+              <a:t>框架性能</a:t>
+            </a:r>
+            <a:endParaRPr lang="zh-CN" altLang="en-US" smtClean="0">
+              <a:solidFill>
+                <a:srgbClr val="000000"/>
+              </a:solidFill>
+              <a:ea typeface="宋体" panose="02010600030101010101" pitchFamily="2" charset="-122"/>
+              <a:sym typeface="+mn-ea"/>
+            </a:endParaRPr>
+          </a:p>
+        </p:txBody>
+      </p:sp>
+      <p:sp>
+        <p:nvSpPr>
+          <p:cNvPr id="4" name="文本框 3"/>
+          <p:cNvSpPr txBox="1"/>
+          <p:nvPr/>
+        </p:nvSpPr>
+        <p:spPr>
+          <a:xfrm>
+            <a:off x="339725" y="1254125"/>
+            <a:ext cx="8220075" cy="922020"/>
+          </a:xfrm>
+          <a:prstGeom prst="rect">
+            <a:avLst/>
+          </a:prstGeom>
+          <a:noFill/>
+        </p:spPr>
+        <p:txBody>
+          <a:bodyPr wrap="square" rtlCol="0">
+            <a:spAutoFit/>
+          </a:bodyPr>
+          <a:lstStyle/>
+          <a:p>
+            <a:r>
+              <a:rPr lang="zh-CN" altLang="en-US" dirty="0">
+                <a:ea typeface="宋体" panose="02010600030101010101" pitchFamily="2" charset="-122"/>
+                <a:sym typeface="+mn-ea"/>
+              </a:rPr>
+              <a:t>测试物理机是6核cpu，16G内存，300.0 GB硬盘，1000Mb网卡和路由。</a:t>
+            </a:r>
+            <a:endParaRPr lang="zh-CN" altLang="en-US" dirty="0">
+              <a:ea typeface="宋体" panose="02010600030101010101" pitchFamily="2" charset="-122"/>
+              <a:sym typeface="+mn-ea"/>
+            </a:endParaRPr>
+          </a:p>
+          <a:p>
+            <a:r>
+              <a:rPr lang="zh-CN" altLang="en-US" dirty="0">
+                <a:ea typeface="宋体" panose="02010600030101010101" pitchFamily="2" charset="-122"/>
+                <a:sym typeface="+mn-ea"/>
+              </a:rPr>
+              <a:t>以下测试各个类型节点均为单节点单工作进程</a:t>
+            </a:r>
+            <a:r>
+              <a:rPr lang="zh-CN" altLang="en-US" dirty="0" smtClean="0">
+                <a:ea typeface="宋体" panose="02010600030101010101" pitchFamily="2" charset="-122"/>
+                <a:sym typeface="+mn-ea"/>
+              </a:rPr>
+              <a:t>（同类型可</a:t>
+            </a:r>
+            <a:r>
+              <a:rPr lang="zh-CN" altLang="en-US" dirty="0">
+                <a:ea typeface="宋体" panose="02010600030101010101" pitchFamily="2" charset="-122"/>
+                <a:sym typeface="+mn-ea"/>
+              </a:rPr>
+              <a:t>支持拓展多节点多工作进程）</a:t>
+            </a:r>
+            <a:r>
+              <a:rPr lang="zh-CN" altLang="en-US" dirty="0" smtClean="0">
+                <a:ea typeface="宋体" panose="02010600030101010101" pitchFamily="2" charset="-122"/>
+                <a:sym typeface="+mn-ea"/>
+              </a:rPr>
+              <a:t>。</a:t>
+            </a:r>
+            <a:endParaRPr lang="en-US" altLang="zh-CN" dirty="0">
+              <a:ea typeface="宋体" panose="02010600030101010101" pitchFamily="2" charset="-122"/>
+              <a:sym typeface="+mn-ea"/>
+            </a:endParaRPr>
+          </a:p>
+        </p:txBody>
+      </p:sp>
+      <p:graphicFrame>
+        <p:nvGraphicFramePr>
+          <p:cNvPr id="11" name="表格 10"/>
+          <p:cNvGraphicFramePr>
+            <a:graphicFrameLocks noGrp="1"/>
+          </p:cNvGraphicFramePr>
+          <p:nvPr/>
+        </p:nvGraphicFramePr>
+        <p:xfrm>
+          <a:off x="611560" y="2348880"/>
+          <a:ext cx="7781290" cy="3385820"/>
+        </p:xfrm>
+        <a:graphic>
+          <a:graphicData uri="http://schemas.openxmlformats.org/drawingml/2006/table">
+            <a:tbl>
+              <a:tblPr firstRow="1" bandRow="1">
+                <a:tableStyleId>{5C22544A-7EE6-4342-B048-85BDC9FD1C3A}</a:tableStyleId>
+              </a:tblPr>
+              <a:tblGrid>
+                <a:gridCol w="2196075"/>
+                <a:gridCol w="1392633"/>
+                <a:gridCol w="642754"/>
+                <a:gridCol w="768531"/>
+                <a:gridCol w="2781300"/>
+              </a:tblGrid>
+              <a:tr h="560462">
+                <a:tc>
+                  <a:txBody>
+                    <a:bodyPr/>
+                    <a:lstStyle/>
+                    <a:p>
+                      <a:r>
+                        <a:rPr lang="zh-CN" altLang="en-US" sz="1200" dirty="0" smtClean="0"/>
+                        <a:t>服务</a:t>
+                      </a:r>
+                      <a:endParaRPr lang="zh-CN" altLang="en-US" sz="1200" dirty="0"/>
+                    </a:p>
+                  </a:txBody>
+                  <a:tcPr/>
+                </a:tc>
+                <a:tc>
+                  <a:txBody>
+                    <a:bodyPr/>
+                    <a:lstStyle/>
+                    <a:p>
+                      <a:r>
+                        <a:rPr lang="zh-CN" altLang="en-US" sz="1200" dirty="0" smtClean="0"/>
+                        <a:t>功能</a:t>
+                      </a:r>
+                      <a:endParaRPr lang="zh-CN" altLang="en-US" sz="1200" dirty="0"/>
+                    </a:p>
+                  </a:txBody>
+                  <a:tcPr/>
+                </a:tc>
+                <a:tc>
+                  <a:txBody>
+                    <a:bodyPr/>
+                    <a:lstStyle/>
+                    <a:p>
+                      <a:r>
+                        <a:rPr lang="zh-CN" altLang="en-US" sz="1200" dirty="0" smtClean="0"/>
+                        <a:t>并发连接</a:t>
+                      </a:r>
+                      <a:endParaRPr lang="zh-CN" altLang="en-US" sz="1200" dirty="0"/>
+                    </a:p>
+                  </a:txBody>
+                  <a:tcPr/>
+                </a:tc>
+                <a:tc>
+                  <a:txBody>
+                    <a:bodyPr/>
+                    <a:lstStyle/>
+                    <a:p>
+                      <a:r>
+                        <a:rPr lang="zh-CN" altLang="en-US" sz="1200" dirty="0" smtClean="0"/>
+                        <a:t>每连接的请求数</a:t>
+                      </a:r>
+                      <a:endParaRPr lang="zh-CN" altLang="en-US" sz="1200" dirty="0"/>
+                    </a:p>
+                  </a:txBody>
+                  <a:tcPr/>
+                </a:tc>
+                <a:tc>
+                  <a:txBody>
+                    <a:bodyPr/>
+                    <a:lstStyle/>
+                    <a:p>
+                      <a:r>
+                        <a:rPr lang="zh-CN" altLang="en-US" sz="1200" dirty="0" smtClean="0"/>
+                        <a:t>高峰平均并发</a:t>
+                      </a:r>
+                      <a:r>
+                        <a:rPr lang="en-US" altLang="zh-CN" sz="1200" dirty="0" smtClean="0"/>
+                        <a:t>(</a:t>
+                      </a:r>
+                      <a:r>
+                        <a:rPr lang="zh-CN" altLang="zh-CN" sz="1200" dirty="0" smtClean="0">
+                          <a:ea typeface="宋体" panose="02010600030101010101" pitchFamily="2" charset="-122"/>
+                          <a:sym typeface="+mn-ea"/>
+                        </a:rPr>
+                        <a:t>trans/sec</a:t>
+                      </a:r>
+                      <a:r>
+                        <a:rPr lang="en-US" altLang="zh-CN" sz="1200" dirty="0" smtClean="0"/>
+                        <a:t>)</a:t>
+                      </a:r>
+                      <a:endParaRPr lang="zh-CN" altLang="en-US" sz="1200" dirty="0"/>
+                    </a:p>
+                  </a:txBody>
+                  <a:tcPr/>
+                </a:tc>
+              </a:tr>
+              <a:tr h="392324">
+                <a:tc>
+                  <a:txBody>
+                    <a:bodyPr/>
+                    <a:lstStyle/>
+                    <a:p>
+                      <a:r>
+                        <a:rPr lang="en-US" altLang="zh-CN" sz="1200" dirty="0" smtClean="0"/>
+                        <a:t>Web</a:t>
+                      </a:r>
+                      <a:r>
+                        <a:rPr lang="zh-CN" altLang="en-US" sz="1200" dirty="0" smtClean="0"/>
+                        <a:t>服务器代理（</a:t>
+                      </a:r>
+                      <a:r>
+                        <a:rPr lang="en-US" altLang="zh-CN" sz="1200" dirty="0" smtClean="0"/>
+                        <a:t>http</a:t>
+                      </a:r>
+                      <a:r>
+                        <a:rPr lang="zh-CN" altLang="en-US" sz="1200" dirty="0" smtClean="0"/>
+                        <a:t>解码）</a:t>
+                      </a:r>
+                      <a:endParaRPr lang="zh-CN" altLang="en-US" sz="1200" dirty="0"/>
+                    </a:p>
+                  </a:txBody>
+                  <a:tcPr/>
+                </a:tc>
+                <a:tc>
+                  <a:txBody>
+                    <a:bodyPr/>
+                    <a:lstStyle/>
+                    <a:p>
+                      <a:r>
+                        <a:rPr lang="zh-CN" altLang="en-US" sz="1200" dirty="0" smtClean="0"/>
+                        <a:t>返回默认响应</a:t>
+                      </a:r>
+                      <a:endParaRPr lang="zh-CN" altLang="en-US" sz="1200" dirty="0"/>
+                    </a:p>
+                  </a:txBody>
+                  <a:tcPr/>
+                </a:tc>
+                <a:tc>
+                  <a:txBody>
+                    <a:bodyPr/>
+                    <a:lstStyle/>
+                    <a:p>
+                      <a:r>
+                        <a:rPr lang="en-US" altLang="zh-CN" sz="1200" dirty="0" smtClean="0"/>
+                        <a:t>300</a:t>
+                      </a:r>
+                      <a:endParaRPr lang="zh-CN" altLang="en-US" sz="1200" dirty="0"/>
+                    </a:p>
+                  </a:txBody>
+                  <a:tcPr/>
+                </a:tc>
+                <a:tc>
+                  <a:txBody>
+                    <a:bodyPr/>
+                    <a:lstStyle/>
+                    <a:p>
+                      <a:r>
+                        <a:rPr lang="en-US" altLang="zh-CN" sz="1200" dirty="0" smtClean="0">
+                          <a:ea typeface="宋体" panose="02010600030101010101" pitchFamily="2" charset="-122"/>
+                        </a:rPr>
+                        <a:t>300</a:t>
+                      </a:r>
+                      <a:endParaRPr lang="zh-CN" altLang="en-US" sz="1200" dirty="0"/>
+                    </a:p>
+                  </a:txBody>
+                  <a:tcPr/>
+                </a:tc>
+                <a:tc>
+                  <a:txBody>
+                    <a:bodyPr/>
+                    <a:lstStyle/>
+                    <a:p>
+                      <a:r>
+                        <a:rPr lang="zh-CN" altLang="en-US" sz="1200" dirty="0" smtClean="0"/>
+                        <a:t>8973.08</a:t>
+                      </a:r>
+                      <a:endParaRPr lang="zh-CN" altLang="en-US" sz="1200" dirty="0"/>
+                    </a:p>
+                  </a:txBody>
+                  <a:tcPr/>
+                </a:tc>
+              </a:tr>
+              <a:tr h="728601">
+                <a:tc>
+                  <a:txBody>
+                    <a:bodyPr/>
+                    <a:lstStyle/>
+                    <a:p>
+                      <a:r>
+                        <a:rPr lang="zh-CN" altLang="en-US" sz="1200" dirty="0" smtClean="0"/>
+                        <a:t>从web服务器代理，经过</a:t>
+                      </a:r>
+                      <a:r>
+                        <a:rPr lang="en-US" altLang="zh-CN" sz="1200" dirty="0" err="1" smtClean="0"/>
+                        <a:t>dataproxy</a:t>
+                      </a:r>
+                      <a:r>
+                        <a:rPr lang="zh-CN" altLang="en-US" sz="1200" dirty="0" smtClean="0">
+                          <a:ea typeface="宋体" panose="02010600030101010101" pitchFamily="2" charset="-122"/>
+                        </a:rPr>
+                        <a:t>代理，</a:t>
+                      </a:r>
+                      <a:r>
+                        <a:rPr lang="zh-CN" altLang="en-US" sz="1200" dirty="0" smtClean="0"/>
+                        <a:t>redis，dbagentwrite代理，mysql</a:t>
+                      </a:r>
+                      <a:endParaRPr lang="zh-CN" altLang="en-US" sz="1200" dirty="0"/>
+                    </a:p>
+                  </a:txBody>
+                  <a:tcPr/>
+                </a:tc>
+                <a:tc>
+                  <a:txBody>
+                    <a:bodyPr/>
+                    <a:lstStyle/>
+                    <a:p>
+                      <a:r>
+                        <a:rPr lang="zh-CN" altLang="en-US" sz="1200" dirty="0" smtClean="0"/>
+                        <a:t>发送写数据请求</a:t>
+                      </a:r>
+                      <a:endParaRPr lang="zh-CN" altLang="en-US" sz="1200" dirty="0"/>
+                    </a:p>
+                  </a:txBody>
+                  <a:tcPr/>
+                </a:tc>
+                <a:tc>
+                  <a:txBody>
+                    <a:bodyPr/>
+                    <a:lstStyle/>
+                    <a:p>
+                      <a:r>
+                        <a:rPr lang="en-US" altLang="zh-CN" sz="1200" dirty="0" smtClean="0"/>
+                        <a:t>400</a:t>
+                      </a:r>
+                      <a:endParaRPr lang="zh-CN" altLang="en-US" sz="1200" dirty="0"/>
+                    </a:p>
+                  </a:txBody>
+                  <a:tcPr/>
+                </a:tc>
+                <a:tc>
+                  <a:txBody>
+                    <a:bodyPr/>
+                    <a:lstStyle/>
+                    <a:p>
+                      <a:r>
+                        <a:rPr lang="en-US" altLang="zh-CN" sz="1200" dirty="0" smtClean="0">
+                          <a:ea typeface="宋体" panose="02010600030101010101" pitchFamily="2" charset="-122"/>
+                        </a:rPr>
+                        <a:t>300</a:t>
+                      </a:r>
+                      <a:endParaRPr lang="zh-CN" altLang="en-US" sz="1200" dirty="0"/>
+                    </a:p>
+                  </a:txBody>
+                  <a:tcPr/>
+                </a:tc>
+                <a:tc>
+                  <a:txBody>
+                    <a:bodyPr/>
+                    <a:lstStyle/>
+                    <a:p>
+                      <a:r>
+                        <a:rPr lang="zh-CN" altLang="en-US" sz="1200" dirty="0" smtClean="0"/>
+                        <a:t>1861.16 </a:t>
+                      </a:r>
+                      <a:endParaRPr lang="zh-CN" altLang="en-US" sz="1200" dirty="0"/>
+                    </a:p>
+                  </a:txBody>
+                  <a:tcPr/>
+                </a:tc>
+              </a:tr>
+              <a:tr h="728601">
+                <a:tc>
+                  <a:txBody>
+                    <a:bodyPr/>
+                    <a:lstStyle/>
+                    <a:p>
+                      <a:r>
+                        <a:rPr lang="zh-CN" altLang="en-US" sz="1200" dirty="0" smtClean="0">
+                          <a:sym typeface="+mn-ea"/>
+                        </a:rPr>
+                        <a:t>从web服务器代理，异步发送</a:t>
+                      </a:r>
+                      <a:r>
+                        <a:rPr lang="en-US" altLang="zh-CN" sz="1200" dirty="0" err="1" smtClean="0">
+                          <a:sym typeface="+mn-ea"/>
+                        </a:rPr>
+                        <a:t>dataproxy</a:t>
+                      </a:r>
+                      <a:r>
+                        <a:rPr lang="zh-CN" altLang="en-US" sz="1200" dirty="0" smtClean="0">
+                          <a:ea typeface="宋体" panose="02010600030101010101" pitchFamily="2" charset="-122"/>
+                          <a:sym typeface="+mn-ea"/>
+                        </a:rPr>
+                        <a:t>代理，</a:t>
+                      </a:r>
+                      <a:r>
+                        <a:rPr lang="zh-CN" altLang="en-US" sz="1200" dirty="0" smtClean="0">
+                          <a:sym typeface="+mn-ea"/>
+                        </a:rPr>
+                        <a:t>redis，dbagent</a:t>
+                      </a:r>
+                      <a:r>
+                        <a:rPr lang="en-US" altLang="zh-CN" sz="1200" dirty="0" smtClean="0">
+                          <a:sym typeface="+mn-ea"/>
+                        </a:rPr>
+                        <a:t>read</a:t>
+                      </a:r>
+                      <a:r>
+                        <a:rPr lang="zh-CN" altLang="en-US" sz="1200" dirty="0" smtClean="0">
+                          <a:sym typeface="+mn-ea"/>
+                        </a:rPr>
+                        <a:t>代理，mysql</a:t>
+                      </a:r>
+                      <a:endParaRPr lang="zh-CN" altLang="en-US" sz="1200" dirty="0"/>
+                    </a:p>
+                  </a:txBody>
+                  <a:tcPr/>
+                </a:tc>
+                <a:tc>
+                  <a:txBody>
+                    <a:bodyPr/>
+                    <a:lstStyle/>
+                    <a:p>
+                      <a:r>
+                        <a:rPr lang="zh-CN" altLang="en-US" sz="1200" dirty="0" smtClean="0">
+                          <a:sym typeface="+mn-ea"/>
+                        </a:rPr>
+                        <a:t>发送读取数据请求</a:t>
+                      </a:r>
+                      <a:endParaRPr lang="zh-CN" altLang="en-US" sz="1200" dirty="0"/>
+                    </a:p>
+                  </a:txBody>
+                  <a:tcPr/>
+                </a:tc>
+                <a:tc>
+                  <a:txBody>
+                    <a:bodyPr/>
+                    <a:lstStyle/>
+                    <a:p>
+                      <a:r>
+                        <a:rPr lang="en-US" altLang="zh-CN" sz="1200" dirty="0" smtClean="0"/>
+                        <a:t>1000 </a:t>
+                      </a:r>
+                      <a:endParaRPr lang="zh-CN" altLang="en-US" sz="1200" dirty="0"/>
+                    </a:p>
+                  </a:txBody>
+                  <a:tcPr/>
+                </a:tc>
+                <a:tc>
+                  <a:txBody>
+                    <a:bodyPr/>
+                    <a:lstStyle/>
+                    <a:p>
+                      <a:r>
+                        <a:rPr lang="en-US" altLang="zh-CN" sz="1200" dirty="0" smtClean="0"/>
+                        <a:t>300 </a:t>
+                      </a:r>
+                      <a:endParaRPr lang="zh-CN" altLang="en-US" sz="1200" dirty="0"/>
+                    </a:p>
+                  </a:txBody>
+                  <a:tcPr/>
+                </a:tc>
+                <a:tc>
+                  <a:txBody>
+                    <a:bodyPr/>
+                    <a:lstStyle/>
+                    <a:p>
+                      <a:r>
+                        <a:rPr lang="zh-CN" altLang="zh-CN" sz="1200" dirty="0" smtClean="0">
+                          <a:ea typeface="宋体" panose="02010600030101010101" pitchFamily="2" charset="-122"/>
+                        </a:rPr>
+                        <a:t>929.34</a:t>
+                      </a:r>
+                      <a:endParaRPr lang="zh-CN" altLang="en-US" sz="1200" dirty="0"/>
+                    </a:p>
+                  </a:txBody>
+                  <a:tcPr/>
+                </a:tc>
+              </a:tr>
+              <a:tr h="896740">
+                <a:tc>
+                  <a:txBody>
+                    <a:bodyPr/>
+                    <a:lstStyle/>
+                    <a:p>
+                      <a:r>
+                        <a:rPr lang="zh-CN" altLang="en-US" sz="1200" dirty="0" smtClean="0">
+                          <a:sym typeface="+mn-ea"/>
+                        </a:rPr>
+                        <a:t>从web服务器代理，异步发送</a:t>
+                      </a:r>
+                      <a:r>
+                        <a:rPr lang="en-US" altLang="zh-CN" sz="1200" dirty="0" err="1" smtClean="0">
+                          <a:sym typeface="+mn-ea"/>
+                        </a:rPr>
+                        <a:t>dataproxy</a:t>
+                      </a:r>
+                      <a:r>
+                        <a:rPr lang="zh-CN" altLang="en-US" sz="1200" dirty="0" smtClean="0">
+                          <a:ea typeface="宋体" panose="02010600030101010101" pitchFamily="2" charset="-122"/>
+                          <a:sym typeface="+mn-ea"/>
+                        </a:rPr>
+                        <a:t>代理，</a:t>
+                      </a:r>
+                      <a:r>
+                        <a:rPr lang="zh-CN" altLang="en-US" sz="1200" dirty="0" smtClean="0">
+                          <a:sym typeface="+mn-ea"/>
+                        </a:rPr>
+                        <a:t>redis（数据存在于</a:t>
+                      </a:r>
+                      <a:r>
+                        <a:rPr lang="en-US" altLang="zh-CN" sz="1200" dirty="0" err="1" smtClean="0">
+                          <a:sym typeface="+mn-ea"/>
+                        </a:rPr>
+                        <a:t>redis</a:t>
+                      </a:r>
+                      <a:r>
+                        <a:rPr lang="zh-CN" altLang="en-US" sz="1200" dirty="0" smtClean="0">
+                          <a:ea typeface="宋体" panose="02010600030101010101" pitchFamily="2" charset="-122"/>
+                          <a:sym typeface="+mn-ea"/>
+                        </a:rPr>
+                        <a:t>中</a:t>
+                      </a:r>
+                      <a:r>
+                        <a:rPr lang="zh-CN" altLang="en-US" sz="1200" dirty="0" smtClean="0">
+                          <a:sym typeface="+mn-ea"/>
+                        </a:rPr>
+                        <a:t>）</a:t>
+                      </a:r>
+                      <a:endParaRPr lang="zh-CN" altLang="en-US" sz="1200" dirty="0"/>
+                    </a:p>
+                  </a:txBody>
+                  <a:tcPr/>
+                </a:tc>
+                <a:tc>
+                  <a:txBody>
+                    <a:bodyPr/>
+                    <a:lstStyle/>
+                    <a:p>
+                      <a:r>
+                        <a:rPr lang="zh-CN" altLang="en-US" sz="1200" dirty="0" smtClean="0">
+                          <a:sym typeface="+mn-ea"/>
+                        </a:rPr>
+                        <a:t>发送读取数据请求</a:t>
+                      </a:r>
+                      <a:endParaRPr lang="zh-CN" altLang="en-US" sz="1200" dirty="0"/>
+                    </a:p>
+                  </a:txBody>
+                  <a:tcPr/>
+                </a:tc>
+                <a:tc>
+                  <a:txBody>
+                    <a:bodyPr/>
+                    <a:lstStyle/>
+                    <a:p>
+                      <a:r>
+                        <a:rPr lang="en-US" altLang="zh-CN" sz="1200" dirty="0" smtClean="0"/>
+                        <a:t>300 </a:t>
+                      </a:r>
+                      <a:endParaRPr lang="zh-CN" altLang="en-US" sz="1200" dirty="0"/>
+                    </a:p>
+                  </a:txBody>
+                  <a:tcPr/>
+                </a:tc>
+                <a:tc>
+                  <a:txBody>
+                    <a:bodyPr/>
+                    <a:lstStyle/>
+                    <a:p>
+                      <a:r>
+                        <a:rPr lang="en-US" altLang="zh-CN" sz="1200" dirty="0" smtClean="0"/>
+                        <a:t>300</a:t>
+                      </a:r>
+                      <a:endParaRPr lang="zh-CN" altLang="en-US" sz="1200" dirty="0"/>
+                    </a:p>
+                  </a:txBody>
+                  <a:tcPr/>
+                </a:tc>
+                <a:tc>
+                  <a:txBody>
+                    <a:bodyPr/>
+                    <a:lstStyle/>
+                    <a:p>
+                      <a:r>
+                        <a:rPr lang="zh-CN" altLang="zh-CN" sz="1200" dirty="0" smtClean="0">
+                          <a:ea typeface="宋体" panose="02010600030101010101" pitchFamily="2" charset="-122"/>
+                        </a:rPr>
+                        <a:t>3770.42（hmget获取哈希表单个键的</a:t>
+                      </a:r>
+                      <a:r>
+                        <a:rPr lang="en-US" altLang="zh-CN" sz="1200" dirty="0" smtClean="0">
+                          <a:ea typeface="宋体" panose="02010600030101010101" pitchFamily="2" charset="-122"/>
+                        </a:rPr>
+                        <a:t>20</a:t>
+                      </a:r>
+                      <a:r>
+                        <a:rPr lang="zh-CN" altLang="en-US" sz="1200" dirty="0" smtClean="0">
+                          <a:ea typeface="宋体" panose="02010600030101010101" pitchFamily="2" charset="-122"/>
+                        </a:rPr>
+                        <a:t>多个</a:t>
+                      </a:r>
+                      <a:r>
+                        <a:rPr lang="en-US" altLang="zh-CN" sz="1200" dirty="0" smtClean="0">
+                          <a:ea typeface="宋体" panose="02010600030101010101" pitchFamily="2" charset="-122"/>
+                        </a:rPr>
+                        <a:t>fields</a:t>
+                      </a:r>
+                      <a:r>
+                        <a:rPr lang="zh-CN" altLang="zh-CN" sz="1200" dirty="0" smtClean="0">
+                          <a:ea typeface="宋体" panose="02010600030101010101" pitchFamily="2" charset="-122"/>
+                        </a:rPr>
+                        <a:t>）</a:t>
+                      </a:r>
+                      <a:endParaRPr lang="en-US" altLang="zh-CN" sz="1200" dirty="0" smtClean="0">
+                        <a:ea typeface="宋体" panose="02010600030101010101" pitchFamily="2" charset="-122"/>
+                      </a:endParaRPr>
+                    </a:p>
+                    <a:p>
+                      <a:r>
+                        <a:rPr lang="en-US" altLang="zh-CN" sz="1200" dirty="0" smtClean="0">
+                          <a:ea typeface="宋体" panose="02010600030101010101" pitchFamily="2" charset="-122"/>
+                        </a:rPr>
+                        <a:t>6000+</a:t>
+                      </a:r>
+                      <a:r>
+                        <a:rPr lang="zh-CN" altLang="en-US" sz="1200" dirty="0" smtClean="0">
+                          <a:ea typeface="宋体" panose="02010600030101010101" pitchFamily="2" charset="-122"/>
+                        </a:rPr>
+                        <a:t>（</a:t>
+                      </a:r>
+                      <a:r>
+                        <a:rPr lang="zh-CN" altLang="zh-CN" sz="1200" dirty="0" smtClean="0">
+                          <a:ea typeface="宋体" panose="02010600030101010101" pitchFamily="2" charset="-122"/>
+                        </a:rPr>
+                        <a:t>简单</a:t>
+                      </a:r>
+                      <a:r>
+                        <a:rPr lang="en-US" altLang="zh-CN" sz="1200" dirty="0" smtClean="0">
+                          <a:ea typeface="宋体" panose="02010600030101010101" pitchFamily="2" charset="-122"/>
+                        </a:rPr>
+                        <a:t>string</a:t>
+                      </a:r>
+                      <a:r>
+                        <a:rPr lang="zh-CN" altLang="en-US" sz="1200" dirty="0" smtClean="0">
+                          <a:ea typeface="宋体" panose="02010600030101010101" pitchFamily="2" charset="-122"/>
+                        </a:rPr>
+                        <a:t>类型）</a:t>
+                      </a:r>
+                      <a:endParaRPr lang="zh-CN" altLang="en-US" sz="1200" dirty="0"/>
+                    </a:p>
+                  </a:txBody>
+                  <a:tcPr/>
+                </a:tc>
+              </a:tr>
+            </a:tbl>
+          </a:graphicData>
+        </a:graphic>
+      </p:graphicFrame>
+    </p:spTree>
+  </p:cSld>
+  <p:clrMapOvr>
+    <a:masterClrMapping/>
+  </p:clrMapOvr>
+</p:sld>
+</file>
+
 <file path=ppt/theme/theme1.xml><?xml version="1.0" encoding="utf-8"?>
 <a:theme xmlns:a="http://schemas.openxmlformats.org/drawingml/2006/main" name="24美金的ppt模板">
   <a:themeElements>
@@ -5624,4 +6744,263 @@
     </a:ext>
   </a:extLst>
 </a:theme>
+</file>
+
+<file path=ppt/theme/theme2.xml><?xml version="1.0" encoding="utf-8"?>
+<a:theme xmlns:a="http://schemas.openxmlformats.org/drawingml/2006/main" name="Office 主题">
+  <a:themeElements>
+    <a:clrScheme name="Office">
+      <a:dk1>
+        <a:sysClr val="windowText" lastClr="000000"/>
+      </a:dk1>
+      <a:lt1>
+        <a:sysClr val="window" lastClr="FFFFFF"/>
+      </a:lt1>
+      <a:dk2>
+        <a:srgbClr val="44546A"/>
+      </a:dk2>
+      <a:lt2>
+        <a:srgbClr val="E7E6E6"/>
+      </a:lt2>
+      <a:accent1>
+        <a:srgbClr val="5B9BD5"/>
+      </a:accent1>
+      <a:accent2>
+        <a:srgbClr val="ED7D31"/>
+      </a:accent2>
+      <a:accent3>
+        <a:srgbClr val="A5A5A5"/>
+      </a:accent3>
+      <a:accent4>
+        <a:srgbClr val="FFC000"/>
+      </a:accent4>
+      <a:accent5>
+        <a:srgbClr val="4472C4"/>
+      </a:accent5>
+      <a:accent6>
+        <a:srgbClr val="70AD47"/>
+      </a:accent6>
+      <a:hlink>
+        <a:srgbClr val="0563C1"/>
+      </a:hlink>
+      <a:folHlink>
+        <a:srgbClr val="954F72"/>
+      </a:folHlink>
+    </a:clrScheme>
+    <a:fontScheme name="Office">
+      <a:majorFont>
+        <a:latin typeface="Calibri Light"/>
+        <a:ea typeface=""/>
+        <a:cs typeface=""/>
+        <a:font script="Jpan" typeface="ＭＳ Ｐゴシック"/>
+        <a:font script="Hang" typeface="맑은 고딕"/>
+        <a:font script="Hans" typeface="宋体"/>
+        <a:font script="Hant" typeface="新細明體"/>
+        <a:font script="Arab" typeface="Times New Roman"/>
+        <a:font script="Hebr" typeface="Times New Roman"/>
+        <a:font script="Thai" typeface="Angsana New"/>
+        <a:font script="Ethi" typeface="Nyala"/>
+        <a:font script="Beng" typeface="Vrinda"/>
+        <a:font script="Gujr" typeface="Shruti"/>
+        <a:font script="Khmr" typeface="MoolBoran"/>
+        <a:font script="Knda" typeface="Tunga"/>
+        <a:font script="Guru" typeface="Raavi"/>
+        <a:font script="Cans" typeface="Euphemia"/>
+        <a:font script="Cher" typeface="Plantagenet Cherokee"/>
+        <a:font script="Yiii" typeface="Microsoft Yi Baiti"/>
+        <a:font script="Tibt" typeface="Microsoft Himalaya"/>
+        <a:font script="Thaa" typeface="MV Boli"/>
+        <a:font script="Deva" typeface="Mangal"/>
+        <a:font script="Telu" typeface="Gautami"/>
+        <a:font script="Taml" typeface="Latha"/>
+        <a:font script="Syrc" typeface="Estrangelo Edessa"/>
+        <a:font script="Orya" typeface="Kalinga"/>
+        <a:font script="Mlym" typeface="Kartika"/>
+        <a:font script="Laoo" typeface="DokChampa"/>
+        <a:font script="Sinh" typeface="Iskoola Pota"/>
+        <a:font script="Mong" typeface="Mongolian Baiti"/>
+        <a:font script="Viet" typeface="Times New Roman"/>
+        <a:font script="Uigh" typeface="Microsoft Uighur"/>
+        <a:font script="Geor" typeface="Sylfaen"/>
+      </a:majorFont>
+      <a:minorFont>
+        <a:latin typeface="Calibri"/>
+        <a:ea typeface=""/>
+        <a:cs typeface=""/>
+        <a:font script="Jpan" typeface="ＭＳ Ｐゴシック"/>
+        <a:font script="Hang" typeface="맑은 고딕"/>
+        <a:font script="Hans" typeface="宋体"/>
+        <a:font script="Hant" typeface="新細明體"/>
+        <a:font script="Arab" typeface="Arial"/>
+        <a:font script="Hebr" typeface="Arial"/>
+        <a:font script="Thai" typeface="Cordia New"/>
+        <a:font script="Ethi" typeface="Nyala"/>
+        <a:font script="Beng" typeface="Vrinda"/>
+        <a:font script="Gujr" typeface="Shruti"/>
+        <a:font script="Khmr" typeface="DaunPenh"/>
+        <a:font script="Knda" typeface="Tunga"/>
+        <a:font script="Guru" typeface="Raavi"/>
+        <a:font script="Cans" typeface="Euphemia"/>
+        <a:font script="Cher" typeface="Plantagenet Cherokee"/>
+        <a:font script="Yiii" typeface="Microsoft Yi Baiti"/>
+        <a:font script="Tibt" typeface="Microsoft Himalaya"/>
+        <a:font script="Thaa" typeface="MV Boli"/>
+        <a:font script="Deva" typeface="Mangal"/>
+        <a:font script="Telu" typeface="Gautami"/>
+        <a:font script="Taml" typeface="Latha"/>
+        <a:font script="Syrc" typeface="Estrangelo Edessa"/>
+        <a:font script="Orya" typeface="Kalinga"/>
+        <a:font script="Mlym" typeface="Kartika"/>
+        <a:font script="Laoo" typeface="DokChampa"/>
+        <a:font script="Sinh" typeface="Iskoola Pota"/>
+        <a:font script="Mong" typeface="Mongolian Baiti"/>
+        <a:font script="Viet" typeface="Arial"/>
+        <a:font script="Uigh" typeface="Microsoft Uighur"/>
+        <a:font script="Geor" typeface="Sylfaen"/>
+      </a:minorFont>
+    </a:fontScheme>
+    <a:fmtScheme name="Office">
+      <a:fillStyleLst>
+        <a:solidFill>
+          <a:schemeClr val="phClr"/>
+        </a:solidFill>
+        <a:gradFill rotWithShape="1">
+          <a:gsLst>
+            <a:gs pos="0">
+              <a:schemeClr val="phClr">
+                <a:lumMod val="110000"/>
+                <a:satMod val="105000"/>
+                <a:tint val="67000"/>
+              </a:schemeClr>
+            </a:gs>
+            <a:gs pos="50000">
+              <a:schemeClr val="phClr">
+                <a:lumMod val="105000"/>
+                <a:satMod val="103000"/>
+                <a:tint val="73000"/>
+              </a:schemeClr>
+            </a:gs>
+            <a:gs pos="100000">
+              <a:schemeClr val="phClr">
+                <a:lumMod val="105000"/>
+                <a:satMod val="109000"/>
+                <a:tint val="81000"/>
+              </a:schemeClr>
+            </a:gs>
+          </a:gsLst>
+          <a:lin ang="5400000" scaled="0"/>
+        </a:gradFill>
+        <a:gradFill rotWithShape="1">
+          <a:gsLst>
+            <a:gs pos="0">
+              <a:schemeClr val="phClr">
+                <a:satMod val="103000"/>
+                <a:lumMod val="102000"/>
+                <a:tint val="94000"/>
+              </a:schemeClr>
+            </a:gs>
+            <a:gs pos="50000">
+              <a:schemeClr val="phClr">
+                <a:satMod val="110000"/>
+                <a:lumMod val="100000"/>
+                <a:shade val="100000"/>
+              </a:schemeClr>
+            </a:gs>
+            <a:gs pos="100000">
+              <a:schemeClr val="phClr">
+                <a:lumMod val="99000"/>
+                <a:satMod val="120000"/>
+                <a:shade val="78000"/>
+              </a:schemeClr>
+            </a:gs>
+          </a:gsLst>
+          <a:lin ang="5400000" scaled="0"/>
+        </a:gradFill>
+      </a:fillStyleLst>
+      <a:lnStyleLst>
+        <a:ln w="6350" cap="flat" cmpd="sng" algn="ctr">
+          <a:solidFill>
+            <a:schemeClr val="phClr"/>
+          </a:solidFill>
+          <a:prstDash val="solid"/>
+          <a:miter lim="800000"/>
+        </a:ln>
+        <a:ln w="12700" cap="flat" cmpd="sng" algn="ctr">
+          <a:solidFill>
+            <a:schemeClr val="phClr"/>
+          </a:solidFill>
+          <a:prstDash val="solid"/>
+          <a:miter lim="800000"/>
+        </a:ln>
+        <a:ln w="19050" cap="flat" cmpd="sng" algn="ctr">
+          <a:solidFill>
+            <a:schemeClr val="phClr"/>
+          </a:solidFill>
+          <a:prstDash val="solid"/>
+          <a:miter lim="800000"/>
+        </a:ln>
+      </a:lnStyleLst>
+      <a:effectStyleLst>
+        <a:effectStyle>
+          <a:effectLst/>
+        </a:effectStyle>
+        <a:effectStyle>
+          <a:effectLst/>
+        </a:effectStyle>
+        <a:effectStyle>
+          <a:effectLst>
+            <a:outerShdw blurRad="57150" dist="19050" dir="5400000" algn="ctr" rotWithShape="0">
+              <a:srgbClr val="000000">
+                <a:alpha val="63000"/>
+              </a:srgbClr>
+            </a:outerShdw>
+          </a:effectLst>
+        </a:effectStyle>
+      </a:effectStyleLst>
+      <a:bgFillStyleLst>
+        <a:solidFill>
+          <a:schemeClr val="phClr"/>
+        </a:solidFill>
+        <a:solidFill>
+          <a:schemeClr val="phClr">
+            <a:tint val="95000"/>
+            <a:satMod val="170000"/>
+          </a:schemeClr>
+        </a:solidFill>
+        <a:gradFill rotWithShape="1">
+          <a:gsLst>
+            <a:gs pos="0">
+              <a:schemeClr val="phClr">
+                <a:tint val="93000"/>
+                <a:satMod val="150000"/>
+                <a:shade val="98000"/>
+                <a:lumMod val="102000"/>
+              </a:schemeClr>
+            </a:gs>
+            <a:gs pos="50000">
+              <a:schemeClr val="phClr">
+                <a:tint val="98000"/>
+                <a:satMod val="130000"/>
+                <a:shade val="90000"/>
+                <a:lumMod val="103000"/>
+              </a:schemeClr>
+            </a:gs>
+            <a:gs pos="100000">
+              <a:schemeClr val="phClr">
+                <a:shade val="63000"/>
+                <a:satMod val="120000"/>
+              </a:schemeClr>
+            </a:gs>
+          </a:gsLst>
+          <a:lin ang="5400000" scaled="0"/>
+        </a:gradFill>
+      </a:bgFillStyleLst>
+    </a:fmtScheme>
+  </a:themeElements>
+  <a:extLst>
+    <a:ext uri="{05A4C25C-085E-4340-85A3-A5531E510DB2}">
+      <thm15:themeFamily xmlns:thm15="http://schemas.microsoft.com/office/thememl/2012/main" name="Office Theme" id="{62F939B6-93AF-4DB8-9C6B-D6C7DFDC589F}" vid="{4A3C46E8-61CC-4603-A589-7422A47A8E4A}"/>
+    </a:ext>
+  </a:extLst>
+</a:theme>
 </file>
--- a/thunder引擎说明.pptx
+++ b/thunder引擎说明.pptx
@@ -8,11 +8,11 @@
     <p:notesMasterId r:id="rId7"/>
   </p:notesMasterIdLst>
   <p:sldIdLst>
-    <p:sldId id="410" r:id="rId3"/>
-    <p:sldId id="411" r:id="rId4"/>
-    <p:sldId id="451" r:id="rId5"/>
-    <p:sldId id="453" r:id="rId6"/>
-    <p:sldId id="454" r:id="rId8"/>
+    <p:sldId id="410" r:id="rId2"/>
+    <p:sldId id="411" r:id="rId3"/>
+    <p:sldId id="451" r:id="rId4"/>
+    <p:sldId id="453" r:id="rId5"/>
+    <p:sldId id="454" r:id="rId6"/>
   </p:sldIdLst>
   <p:sldSz cx="9144000" cy="6858000" type="screen4x3"/>
   <p:notesSz cx="6858000" cy="9144000"/>
@@ -226,6 +226,8 @@
           <a:p>
             <a:fld id="{D2A48B96-639E-45A3-A0BA-2464DFDB1FAA}" type="datetimeFigureOut">
               <a:rPr lang="zh-CN" altLang="en-US" smtClean="0"/>
+              <a:pPr/>
+              <a:t>2019/5/11 Saturday</a:t>
             </a:fld>
             <a:endParaRPr lang="zh-CN" altLang="en-US"/>
           </a:p>
@@ -292,7 +294,6 @@
               <a:rPr lang="zh-CN" altLang="en-US" smtClean="0"/>
               <a:t>单击此处编辑母版文本样式</a:t>
             </a:r>
-            <a:endParaRPr lang="zh-CN" altLang="en-US" smtClean="0"/>
           </a:p>
           <a:p>
             <a:pPr lvl="1"/>
@@ -300,7 +301,6 @@
               <a:rPr lang="zh-CN" altLang="en-US" smtClean="0"/>
               <a:t>第二级</a:t>
             </a:r>
-            <a:endParaRPr lang="zh-CN" altLang="en-US" smtClean="0"/>
           </a:p>
           <a:p>
             <a:pPr lvl="2"/>
@@ -308,7 +308,6 @@
               <a:rPr lang="zh-CN" altLang="en-US" smtClean="0"/>
               <a:t>第三级</a:t>
             </a:r>
-            <a:endParaRPr lang="zh-CN" altLang="en-US" smtClean="0"/>
           </a:p>
           <a:p>
             <a:pPr lvl="3"/>
@@ -316,7 +315,6 @@
               <a:rPr lang="zh-CN" altLang="en-US" smtClean="0"/>
               <a:t>第四级</a:t>
             </a:r>
-            <a:endParaRPr lang="zh-CN" altLang="en-US" smtClean="0"/>
           </a:p>
           <a:p>
             <a:pPr lvl="4"/>
@@ -388,6 +386,8 @@
           <a:p>
             <a:fld id="{A6837353-30EB-4A48-80EB-173D804AEFBD}" type="slidenum">
               <a:rPr lang="zh-CN" altLang="en-US" smtClean="0"/>
+              <a:pPr/>
+              <a:t>‹#›</a:t>
             </a:fld>
             <a:endParaRPr lang="zh-CN" altLang="en-US"/>
           </a:p>
@@ -500,11 +500,20 @@
         <p:cNvGrpSpPr/>
         <p:nvPr/>
       </p:nvGrpSpPr>
-      <p:grpSpPr/>
+      <p:grpSpPr>
+        <a:xfrm>
+          <a:off x="0" y="0"/>
+          <a:ext cx="0" cy="0"/>
+          <a:chOff x="0" y="0"/>
+          <a:chExt cx="0" cy="0"/>
+        </a:xfrm>
+      </p:grpSpPr>
       <p:sp>
         <p:nvSpPr>
           <p:cNvPr id="2" name="幻灯片图像占位符 1"/>
-          <p:cNvSpPr/>
+          <p:cNvSpPr>
+            <a:spLocks noGrp="1" noRot="1" noChangeAspect="1"/>
+          </p:cNvSpPr>
           <p:nvPr>
             <p:ph type="sldImg" idx="2"/>
           </p:nvPr>
@@ -514,7 +523,9 @@
       <p:sp>
         <p:nvSpPr>
           <p:cNvPr id="3" name="文本占位符 2"/>
-          <p:cNvSpPr/>
+          <p:cNvSpPr>
+            <a:spLocks noGrp="1"/>
+          </p:cNvSpPr>
           <p:nvPr>
             <p:ph type="body" idx="3"/>
           </p:nvPr>
@@ -522,6 +533,7 @@
         <p:spPr/>
         <p:txBody>
           <a:bodyPr/>
+          <a:lstStyle/>
           <a:p>
             <a:endParaRPr lang="zh-CN" altLang="en-US"/>
           </a:p>
@@ -536,7 +548,7 @@
 </file>
 
 <file path=ppt/slideLayouts/slideLayout1.xml><?xml version="1.0" encoding="utf-8"?>
-<p:sldLayout xmlns:a="http://schemas.openxmlformats.org/drawingml/2006/main" xmlns:r="http://schemas.openxmlformats.org/officeDocument/2006/relationships" xmlns:p="http://schemas.openxmlformats.org/presentationml/2006/main" type="title" preserve="1" showMasterSp="0">
+<p:sldLayout xmlns:a="http://schemas.openxmlformats.org/drawingml/2006/main" xmlns:r="http://schemas.openxmlformats.org/officeDocument/2006/relationships" xmlns:p="http://schemas.openxmlformats.org/presentationml/2006/main" showMasterSp="0" type="title" preserve="1">
   <p:cSld name="标题幻灯片">
     <p:bg bwMode="gray">
       <p:bgPr>
@@ -606,13 +618,6 @@
               </a:rPr>
               <a:t>LOGO</a:t>
             </a:r>
-            <a:endParaRPr lang="en-US" altLang="zh-CN" sz="2400" b="1" i="1">
-              <a:solidFill>
-                <a:srgbClr val="CC0000"/>
-              </a:solidFill>
-              <a:latin typeface="Verdana" panose="020B0604030504040204" pitchFamily="34" charset="0"/>
-              <a:ea typeface="宋体" panose="02010600030101010101" pitchFamily="2" charset="-122"/>
-            </a:endParaRPr>
           </a:p>
         </p:txBody>
       </p:sp>
@@ -784,6 +789,10 @@
             </a:pPr>
             <a:fld id="{A2FCB280-7005-497F-B81A-B59AE3149F03}" type="slidenum">
               <a:rPr lang="en-US" altLang="zh-CN"/>
+              <a:pPr>
+                <a:defRPr/>
+              </a:pPr>
+              <a:t>‹#›</a:t>
             </a:fld>
             <a:endParaRPr lang="en-US" altLang="zh-CN"/>
           </a:p>
@@ -857,7 +866,6 @@
               <a:rPr lang="zh-CN" altLang="en-US" smtClean="0"/>
               <a:t>单击此处编辑母版文本样式</a:t>
             </a:r>
-            <a:endParaRPr lang="zh-CN" altLang="en-US" smtClean="0"/>
           </a:p>
           <a:p>
             <a:pPr lvl="1"/>
@@ -865,7 +873,6 @@
               <a:rPr lang="zh-CN" altLang="en-US" smtClean="0"/>
               <a:t>第二级</a:t>
             </a:r>
-            <a:endParaRPr lang="zh-CN" altLang="en-US" smtClean="0"/>
           </a:p>
           <a:p>
             <a:pPr lvl="2"/>
@@ -873,7 +880,6 @@
               <a:rPr lang="zh-CN" altLang="en-US" smtClean="0"/>
               <a:t>第三级</a:t>
             </a:r>
-            <a:endParaRPr lang="zh-CN" altLang="en-US" smtClean="0"/>
           </a:p>
           <a:p>
             <a:pPr lvl="3"/>
@@ -881,7 +887,6 @@
               <a:rPr lang="zh-CN" altLang="en-US" smtClean="0"/>
               <a:t>第四级</a:t>
             </a:r>
-            <a:endParaRPr lang="zh-CN" altLang="en-US" smtClean="0"/>
           </a:p>
           <a:p>
             <a:pPr lvl="4"/>
@@ -942,7 +947,6 @@
               <a:rPr lang="en-US" altLang="zh-CN"/>
               <a:t>Company Logo</a:t>
             </a:r>
-            <a:endParaRPr lang="en-US" altLang="zh-CN"/>
           </a:p>
         </p:txBody>
       </p:sp>
@@ -970,6 +974,10 @@
             </a:pPr>
             <a:fld id="{8EBF9CE2-48B3-4EBA-BF83-3DE5720586B1}" type="slidenum">
               <a:rPr lang="en-US" altLang="zh-CN"/>
+              <a:pPr>
+                <a:defRPr/>
+              </a:pPr>
+              <a:t>‹#›</a:t>
             </a:fld>
             <a:endParaRPr lang="en-US" altLang="zh-CN"/>
           </a:p>
@@ -1053,7 +1061,6 @@
               <a:rPr lang="zh-CN" altLang="en-US" smtClean="0"/>
               <a:t>单击此处编辑母版文本样式</a:t>
             </a:r>
-            <a:endParaRPr lang="zh-CN" altLang="en-US" smtClean="0"/>
           </a:p>
           <a:p>
             <a:pPr lvl="1"/>
@@ -1061,7 +1068,6 @@
               <a:rPr lang="zh-CN" altLang="en-US" smtClean="0"/>
               <a:t>第二级</a:t>
             </a:r>
-            <a:endParaRPr lang="zh-CN" altLang="en-US" smtClean="0"/>
           </a:p>
           <a:p>
             <a:pPr lvl="2"/>
@@ -1069,7 +1075,6 @@
               <a:rPr lang="zh-CN" altLang="en-US" smtClean="0"/>
               <a:t>第三级</a:t>
             </a:r>
-            <a:endParaRPr lang="zh-CN" altLang="en-US" smtClean="0"/>
           </a:p>
           <a:p>
             <a:pPr lvl="3"/>
@@ -1077,7 +1082,6 @@
               <a:rPr lang="zh-CN" altLang="en-US" smtClean="0"/>
               <a:t>第四级</a:t>
             </a:r>
-            <a:endParaRPr lang="zh-CN" altLang="en-US" smtClean="0"/>
           </a:p>
           <a:p>
             <a:pPr lvl="4"/>
@@ -1138,7 +1142,6 @@
               <a:rPr lang="en-US" altLang="zh-CN"/>
               <a:t>Company Logo</a:t>
             </a:r>
-            <a:endParaRPr lang="en-US" altLang="zh-CN"/>
           </a:p>
         </p:txBody>
       </p:sp>
@@ -1166,6 +1169,10 @@
             </a:pPr>
             <a:fld id="{DBE458A3-560A-48E3-A527-79D4EF87F52F}" type="slidenum">
               <a:rPr lang="en-US" altLang="zh-CN"/>
+              <a:pPr>
+                <a:defRPr/>
+              </a:pPr>
+              <a:t>‹#›</a:t>
             </a:fld>
             <a:endParaRPr lang="en-US" altLang="zh-CN"/>
           </a:p>
@@ -1249,7 +1256,6 @@
               <a:rPr lang="zh-CN" altLang="en-US" noProof="0" smtClean="0"/>
               <a:t>单击图标添加表格</a:t>
             </a:r>
-            <a:endParaRPr lang="zh-CN" altLang="en-US" noProof="0" smtClean="0"/>
           </a:p>
         </p:txBody>
       </p:sp>
@@ -1302,7 +1308,6 @@
               <a:rPr lang="en-US" altLang="zh-CN"/>
               <a:t>Company Logo</a:t>
             </a:r>
-            <a:endParaRPr lang="en-US" altLang="zh-CN"/>
           </a:p>
         </p:txBody>
       </p:sp>
@@ -1330,6 +1335,10 @@
             </a:pPr>
             <a:fld id="{7974BB93-6E81-4D79-AB49-7FFCB2358000}" type="slidenum">
               <a:rPr lang="en-US" altLang="zh-CN"/>
+              <a:pPr>
+                <a:defRPr/>
+              </a:pPr>
+              <a:t>‹#›</a:t>
             </a:fld>
             <a:endParaRPr lang="en-US" altLang="zh-CN"/>
           </a:p>
@@ -1403,7 +1412,6 @@
               <a:rPr lang="zh-CN" altLang="en-US" smtClean="0"/>
               <a:t>单击此处编辑母版文本样式</a:t>
             </a:r>
-            <a:endParaRPr lang="zh-CN" altLang="en-US" smtClean="0"/>
           </a:p>
           <a:p>
             <a:pPr lvl="1"/>
@@ -1411,7 +1419,6 @@
               <a:rPr lang="zh-CN" altLang="en-US" smtClean="0"/>
               <a:t>第二级</a:t>
             </a:r>
-            <a:endParaRPr lang="zh-CN" altLang="en-US" smtClean="0"/>
           </a:p>
           <a:p>
             <a:pPr lvl="2"/>
@@ -1419,7 +1426,6 @@
               <a:rPr lang="zh-CN" altLang="en-US" smtClean="0"/>
               <a:t>第三级</a:t>
             </a:r>
-            <a:endParaRPr lang="zh-CN" altLang="en-US" smtClean="0"/>
           </a:p>
           <a:p>
             <a:pPr lvl="3"/>
@@ -1427,7 +1433,6 @@
               <a:rPr lang="zh-CN" altLang="en-US" smtClean="0"/>
               <a:t>第四级</a:t>
             </a:r>
-            <a:endParaRPr lang="zh-CN" altLang="en-US" smtClean="0"/>
           </a:p>
           <a:p>
             <a:pPr lvl="4"/>
@@ -1488,7 +1493,6 @@
               <a:rPr lang="en-US" altLang="zh-CN"/>
               <a:t>Company Logo</a:t>
             </a:r>
-            <a:endParaRPr lang="en-US" altLang="zh-CN"/>
           </a:p>
         </p:txBody>
       </p:sp>
@@ -1516,6 +1520,10 @@
             </a:pPr>
             <a:fld id="{E0AF44B8-1FC0-4706-AD5A-1D5255F7992E}" type="slidenum">
               <a:rPr lang="en-US" altLang="zh-CN"/>
+              <a:pPr>
+                <a:defRPr/>
+              </a:pPr>
+              <a:t>‹#›</a:t>
             </a:fld>
             <a:endParaRPr lang="en-US" altLang="zh-CN"/>
           </a:p>
@@ -1640,7 +1648,6 @@
               <a:rPr lang="zh-CN" altLang="en-US" smtClean="0"/>
               <a:t>单击此处编辑母版文本样式</a:t>
             </a:r>
-            <a:endParaRPr lang="zh-CN" altLang="en-US" smtClean="0"/>
           </a:p>
         </p:txBody>
       </p:sp>
@@ -1693,7 +1700,6 @@
               <a:rPr lang="en-US" altLang="zh-CN"/>
               <a:t>Company Logo</a:t>
             </a:r>
-            <a:endParaRPr lang="en-US" altLang="zh-CN"/>
           </a:p>
         </p:txBody>
       </p:sp>
@@ -1721,6 +1727,10 @@
             </a:pPr>
             <a:fld id="{E4B1558A-7E40-4009-B079-D4B4B20F0D21}" type="slidenum">
               <a:rPr lang="en-US" altLang="zh-CN"/>
+              <a:pPr>
+                <a:defRPr/>
+              </a:pPr>
+              <a:t>‹#›</a:t>
             </a:fld>
             <a:endParaRPr lang="en-US" altLang="zh-CN"/>
           </a:p>
@@ -1827,7 +1837,6 @@
               <a:rPr lang="zh-CN" altLang="en-US" smtClean="0"/>
               <a:t>单击此处编辑母版文本样式</a:t>
             </a:r>
-            <a:endParaRPr lang="zh-CN" altLang="en-US" smtClean="0"/>
           </a:p>
           <a:p>
             <a:pPr lvl="1"/>
@@ -1835,7 +1844,6 @@
               <a:rPr lang="zh-CN" altLang="en-US" smtClean="0"/>
               <a:t>第二级</a:t>
             </a:r>
-            <a:endParaRPr lang="zh-CN" altLang="en-US" smtClean="0"/>
           </a:p>
           <a:p>
             <a:pPr lvl="2"/>
@@ -1843,7 +1851,6 @@
               <a:rPr lang="zh-CN" altLang="en-US" smtClean="0"/>
               <a:t>第三级</a:t>
             </a:r>
-            <a:endParaRPr lang="zh-CN" altLang="en-US" smtClean="0"/>
           </a:p>
           <a:p>
             <a:pPr lvl="3"/>
@@ -1851,7 +1858,6 @@
               <a:rPr lang="zh-CN" altLang="en-US" smtClean="0"/>
               <a:t>第四级</a:t>
             </a:r>
-            <a:endParaRPr lang="zh-CN" altLang="en-US" smtClean="0"/>
           </a:p>
           <a:p>
             <a:pPr lvl="4"/>
@@ -1916,7 +1922,6 @@
               <a:rPr lang="zh-CN" altLang="en-US" smtClean="0"/>
               <a:t>单击此处编辑母版文本样式</a:t>
             </a:r>
-            <a:endParaRPr lang="zh-CN" altLang="en-US" smtClean="0"/>
           </a:p>
           <a:p>
             <a:pPr lvl="1"/>
@@ -1924,7 +1929,6 @@
               <a:rPr lang="zh-CN" altLang="en-US" smtClean="0"/>
               <a:t>第二级</a:t>
             </a:r>
-            <a:endParaRPr lang="zh-CN" altLang="en-US" smtClean="0"/>
           </a:p>
           <a:p>
             <a:pPr lvl="2"/>
@@ -1932,7 +1936,6 @@
               <a:rPr lang="zh-CN" altLang="en-US" smtClean="0"/>
               <a:t>第三级</a:t>
             </a:r>
-            <a:endParaRPr lang="zh-CN" altLang="en-US" smtClean="0"/>
           </a:p>
           <a:p>
             <a:pPr lvl="3"/>
@@ -1940,7 +1943,6 @@
               <a:rPr lang="zh-CN" altLang="en-US" smtClean="0"/>
               <a:t>第四级</a:t>
             </a:r>
-            <a:endParaRPr lang="zh-CN" altLang="en-US" smtClean="0"/>
           </a:p>
           <a:p>
             <a:pPr lvl="4"/>
@@ -2001,7 +2003,6 @@
               <a:rPr lang="en-US" altLang="zh-CN"/>
               <a:t>Company Logo</a:t>
             </a:r>
-            <a:endParaRPr lang="en-US" altLang="zh-CN"/>
           </a:p>
         </p:txBody>
       </p:sp>
@@ -2029,6 +2030,10 @@
             </a:pPr>
             <a:fld id="{3D2A1818-28E0-4FD8-9FE0-5A591BFC5AD7}" type="slidenum">
               <a:rPr lang="en-US" altLang="zh-CN"/>
+              <a:pPr>
+                <a:defRPr/>
+              </a:pPr>
+              <a:t>‹#›</a:t>
             </a:fld>
             <a:endParaRPr lang="en-US" altLang="zh-CN"/>
           </a:p>
@@ -2153,7 +2158,6 @@
               <a:rPr lang="zh-CN" altLang="en-US" smtClean="0"/>
               <a:t>单击此处编辑母版文本样式</a:t>
             </a:r>
-            <a:endParaRPr lang="zh-CN" altLang="en-US" smtClean="0"/>
           </a:p>
         </p:txBody>
       </p:sp>
@@ -2210,7 +2214,6 @@
               <a:rPr lang="zh-CN" altLang="en-US" smtClean="0"/>
               <a:t>单击此处编辑母版文本样式</a:t>
             </a:r>
-            <a:endParaRPr lang="zh-CN" altLang="en-US" smtClean="0"/>
           </a:p>
           <a:p>
             <a:pPr lvl="1"/>
@@ -2218,7 +2221,6 @@
               <a:rPr lang="zh-CN" altLang="en-US" smtClean="0"/>
               <a:t>第二级</a:t>
             </a:r>
-            <a:endParaRPr lang="zh-CN" altLang="en-US" smtClean="0"/>
           </a:p>
           <a:p>
             <a:pPr lvl="2"/>
@@ -2226,7 +2228,6 @@
               <a:rPr lang="zh-CN" altLang="en-US" smtClean="0"/>
               <a:t>第三级</a:t>
             </a:r>
-            <a:endParaRPr lang="zh-CN" altLang="en-US" smtClean="0"/>
           </a:p>
           <a:p>
             <a:pPr lvl="3"/>
@@ -2234,7 +2235,6 @@
               <a:rPr lang="zh-CN" altLang="en-US" smtClean="0"/>
               <a:t>第四级</a:t>
             </a:r>
-            <a:endParaRPr lang="zh-CN" altLang="en-US" smtClean="0"/>
           </a:p>
           <a:p>
             <a:pPr lvl="4"/>
@@ -2308,7 +2308,6 @@
               <a:rPr lang="zh-CN" altLang="en-US" smtClean="0"/>
               <a:t>单击此处编辑母版文本样式</a:t>
             </a:r>
-            <a:endParaRPr lang="zh-CN" altLang="en-US" smtClean="0"/>
           </a:p>
         </p:txBody>
       </p:sp>
@@ -2365,7 +2364,6 @@
               <a:rPr lang="zh-CN" altLang="en-US" smtClean="0"/>
               <a:t>单击此处编辑母版文本样式</a:t>
             </a:r>
-            <a:endParaRPr lang="zh-CN" altLang="en-US" smtClean="0"/>
           </a:p>
           <a:p>
             <a:pPr lvl="1"/>
@@ -2373,7 +2371,6 @@
               <a:rPr lang="zh-CN" altLang="en-US" smtClean="0"/>
               <a:t>第二级</a:t>
             </a:r>
-            <a:endParaRPr lang="zh-CN" altLang="en-US" smtClean="0"/>
           </a:p>
           <a:p>
             <a:pPr lvl="2"/>
@@ -2381,7 +2378,6 @@
               <a:rPr lang="zh-CN" altLang="en-US" smtClean="0"/>
               <a:t>第三级</a:t>
             </a:r>
-            <a:endParaRPr lang="zh-CN" altLang="en-US" smtClean="0"/>
           </a:p>
           <a:p>
             <a:pPr lvl="3"/>
@@ -2389,7 +2385,6 @@
               <a:rPr lang="zh-CN" altLang="en-US" smtClean="0"/>
               <a:t>第四级</a:t>
             </a:r>
-            <a:endParaRPr lang="zh-CN" altLang="en-US" smtClean="0"/>
           </a:p>
           <a:p>
             <a:pPr lvl="4"/>
@@ -2450,7 +2445,6 @@
               <a:rPr lang="en-US" altLang="zh-CN"/>
               <a:t>Company Logo</a:t>
             </a:r>
-            <a:endParaRPr lang="en-US" altLang="zh-CN"/>
           </a:p>
         </p:txBody>
       </p:sp>
@@ -2478,6 +2472,10 @@
             </a:pPr>
             <a:fld id="{DCC088C5-9CB2-4573-9CF7-2F150BF9DB41}" type="slidenum">
               <a:rPr lang="en-US" altLang="zh-CN"/>
+              <a:pPr>
+                <a:defRPr/>
+              </a:pPr>
+              <a:t>‹#›</a:t>
             </a:fld>
             <a:endParaRPr lang="en-US" altLang="zh-CN"/>
           </a:p>
@@ -2580,7 +2578,6 @@
               <a:rPr lang="en-US" altLang="zh-CN"/>
               <a:t>Company Logo</a:t>
             </a:r>
-            <a:endParaRPr lang="en-US" altLang="zh-CN"/>
           </a:p>
         </p:txBody>
       </p:sp>
@@ -2608,6 +2605,10 @@
             </a:pPr>
             <a:fld id="{5423B053-0F89-4E30-ADE7-B5B58FDB894F}" type="slidenum">
               <a:rPr lang="en-US" altLang="zh-CN"/>
+              <a:pPr>
+                <a:defRPr/>
+              </a:pPr>
+              <a:t>‹#›</a:t>
             </a:fld>
             <a:endParaRPr lang="en-US" altLang="zh-CN"/>
           </a:p>
@@ -2687,7 +2688,6 @@
               <a:rPr lang="en-US" altLang="zh-CN"/>
               <a:t>Company Logo</a:t>
             </a:r>
-            <a:endParaRPr lang="en-US" altLang="zh-CN"/>
           </a:p>
         </p:txBody>
       </p:sp>
@@ -2715,6 +2715,10 @@
             </a:pPr>
             <a:fld id="{31FBDB47-4C7C-4067-8DEC-3B70C7CD6013}" type="slidenum">
               <a:rPr lang="en-US" altLang="zh-CN"/>
+              <a:pPr>
+                <a:defRPr/>
+              </a:pPr>
+              <a:t>‹#›</a:t>
             </a:fld>
             <a:endParaRPr lang="en-US" altLang="zh-CN"/>
           </a:p>
@@ -2830,7 +2834,6 @@
               <a:rPr lang="zh-CN" altLang="en-US" smtClean="0"/>
               <a:t>单击此处编辑母版文本样式</a:t>
             </a:r>
-            <a:endParaRPr lang="zh-CN" altLang="en-US" smtClean="0"/>
           </a:p>
           <a:p>
             <a:pPr lvl="1"/>
@@ -2838,7 +2841,6 @@
               <a:rPr lang="zh-CN" altLang="en-US" smtClean="0"/>
               <a:t>第二级</a:t>
             </a:r>
-            <a:endParaRPr lang="zh-CN" altLang="en-US" smtClean="0"/>
           </a:p>
           <a:p>
             <a:pPr lvl="2"/>
@@ -2846,7 +2848,6 @@
               <a:rPr lang="zh-CN" altLang="en-US" smtClean="0"/>
               <a:t>第三级</a:t>
             </a:r>
-            <a:endParaRPr lang="zh-CN" altLang="en-US" smtClean="0"/>
           </a:p>
           <a:p>
             <a:pPr lvl="3"/>
@@ -2854,7 +2855,6 @@
               <a:rPr lang="zh-CN" altLang="en-US" smtClean="0"/>
               <a:t>第四级</a:t>
             </a:r>
-            <a:endParaRPr lang="zh-CN" altLang="en-US" smtClean="0"/>
           </a:p>
           <a:p>
             <a:pPr lvl="4"/>
@@ -2928,7 +2928,6 @@
               <a:rPr lang="zh-CN" altLang="en-US" smtClean="0"/>
               <a:t>单击此处编辑母版文本样式</a:t>
             </a:r>
-            <a:endParaRPr lang="zh-CN" altLang="en-US" smtClean="0"/>
           </a:p>
         </p:txBody>
       </p:sp>
@@ -2981,7 +2980,6 @@
               <a:rPr lang="en-US" altLang="zh-CN"/>
               <a:t>Company Logo</a:t>
             </a:r>
-            <a:endParaRPr lang="en-US" altLang="zh-CN"/>
           </a:p>
         </p:txBody>
       </p:sp>
@@ -3009,6 +3007,10 @@
             </a:pPr>
             <a:fld id="{FC7BEEB4-11D7-4D75-B217-F6C5CDCE6014}" type="slidenum">
               <a:rPr lang="en-US" altLang="zh-CN"/>
+              <a:pPr>
+                <a:defRPr/>
+              </a:pPr>
+              <a:t>‹#›</a:t>
             </a:fld>
             <a:endParaRPr lang="en-US" altLang="zh-CN"/>
           </a:p>
@@ -3133,7 +3135,6 @@
               <a:rPr lang="zh-CN" altLang="en-US" noProof="0" smtClean="0"/>
               <a:t>单击图标添加图片</a:t>
             </a:r>
-            <a:endParaRPr lang="zh-CN" altLang="en-US" noProof="0" smtClean="0"/>
           </a:p>
         </p:txBody>
       </p:sp>
@@ -3199,7 +3200,6 @@
               <a:rPr lang="zh-CN" altLang="en-US" smtClean="0"/>
               <a:t>单击此处编辑母版文本样式</a:t>
             </a:r>
-            <a:endParaRPr lang="zh-CN" altLang="en-US" smtClean="0"/>
           </a:p>
         </p:txBody>
       </p:sp>
@@ -3252,7 +3252,6 @@
               <a:rPr lang="en-US" altLang="zh-CN"/>
               <a:t>Company Logo</a:t>
             </a:r>
-            <a:endParaRPr lang="en-US" altLang="zh-CN"/>
           </a:p>
         </p:txBody>
       </p:sp>
@@ -3280,6 +3279,10 @@
             </a:pPr>
             <a:fld id="{F286B90B-AD67-43F2-91D0-CB546C2250DE}" type="slidenum">
               <a:rPr lang="en-US" altLang="zh-CN"/>
+              <a:pPr>
+                <a:defRPr/>
+              </a:pPr>
+              <a:t>‹#›</a:t>
             </a:fld>
             <a:endParaRPr lang="en-US" altLang="zh-CN"/>
           </a:p>
@@ -3299,7 +3302,7 @@
     <p:bg bwMode="gray">
       <p:bgPr>
         <a:blipFill dpi="0" rotWithShape="0">
-          <a:blip r:embed="rId13" cstate="print"/>
+          <a:blip r:embed="rId14" cstate="print"/>
           <a:srcRect/>
           <a:stretch>
             <a:fillRect/>
@@ -3346,14 +3349,14 @@
           </a:ln>
           <a:extLst>
             <a:ext uri="{909E8E84-426E-40DD-AFC4-6F175D3DCCD1}">
-              <a14:hiddenFill xmlns:a14="http://schemas.microsoft.com/office/drawing/2010/main">
+              <a14:hiddenFill xmlns:a14="http://schemas.microsoft.com/office/drawing/2010/main" xmlns="">
                 <a:solidFill>
                   <a:srgbClr val="FFFFFF"/>
                 </a:solidFill>
               </a14:hiddenFill>
             </a:ext>
             <a:ext uri="{91240B29-F687-4F45-9708-019B960494DF}">
-              <a14:hiddenLine xmlns:a14="http://schemas.microsoft.com/office/drawing/2010/main" w="9525">
+              <a14:hiddenLine xmlns:a14="http://schemas.microsoft.com/office/drawing/2010/main" xmlns="" w="9525">
                 <a:solidFill>
                   <a:srgbClr val="000000"/>
                 </a:solidFill>
@@ -3373,7 +3376,6 @@
               <a:rPr lang="zh-CN" altLang="en-US" smtClean="0"/>
               <a:t>单击此处编辑母版文本样式</a:t>
             </a:r>
-            <a:endParaRPr lang="zh-CN" altLang="en-US" smtClean="0"/>
           </a:p>
           <a:p>
             <a:pPr lvl="1"/>
@@ -3381,7 +3383,6 @@
               <a:rPr lang="zh-CN" altLang="en-US" smtClean="0"/>
               <a:t>第二级</a:t>
             </a:r>
-            <a:endParaRPr lang="zh-CN" altLang="en-US" smtClean="0"/>
           </a:p>
           <a:p>
             <a:pPr lvl="2"/>
@@ -3389,7 +3390,6 @@
               <a:rPr lang="zh-CN" altLang="en-US" smtClean="0"/>
               <a:t>第三级</a:t>
             </a:r>
-            <a:endParaRPr lang="zh-CN" altLang="en-US" smtClean="0"/>
           </a:p>
           <a:p>
             <a:pPr lvl="3"/>
@@ -3397,7 +3397,6 @@
               <a:rPr lang="zh-CN" altLang="en-US" smtClean="0"/>
               <a:t>第四级</a:t>
             </a:r>
-            <a:endParaRPr lang="zh-CN" altLang="en-US" smtClean="0"/>
           </a:p>
           <a:p>
             <a:pPr lvl="4"/>
@@ -3498,7 +3497,6 @@
               <a:rPr lang="en-US" altLang="zh-CN"/>
               <a:t>Company Logo</a:t>
             </a:r>
-            <a:endParaRPr lang="en-US" altLang="zh-CN"/>
           </a:p>
         </p:txBody>
       </p:sp>
@@ -3546,6 +3544,10 @@
             </a:pPr>
             <a:fld id="{FD25DCE4-DDCA-41BE-B7FD-C9C7FF476F8D}" type="slidenum">
               <a:rPr lang="en-US" altLang="zh-CN"/>
+              <a:pPr>
+                <a:defRPr/>
+              </a:pPr>
+              <a:t>‹#›</a:t>
             </a:fld>
             <a:endParaRPr lang="en-US" altLang="zh-CN"/>
           </a:p>
@@ -3575,14 +3577,14 @@
           </a:ln>
           <a:extLst>
             <a:ext uri="{909E8E84-426E-40DD-AFC4-6F175D3DCCD1}">
-              <a14:hiddenFill xmlns:a14="http://schemas.microsoft.com/office/drawing/2010/main">
+              <a14:hiddenFill xmlns:a14="http://schemas.microsoft.com/office/drawing/2010/main" xmlns="">
                 <a:solidFill>
                   <a:srgbClr val="FFFFFF"/>
                 </a:solidFill>
               </a14:hiddenFill>
             </a:ext>
             <a:ext uri="{91240B29-F687-4F45-9708-019B960494DF}">
-              <a14:hiddenLine xmlns:a14="http://schemas.microsoft.com/office/drawing/2010/main" w="9525">
+              <a14:hiddenLine xmlns:a14="http://schemas.microsoft.com/office/drawing/2010/main" xmlns="" w="9525">
                 <a:solidFill>
                   <a:srgbClr val="000000"/>
                 </a:solidFill>
@@ -4171,7 +4173,9 @@
       <p:graphicFrame>
         <p:nvGraphicFramePr>
           <p:cNvPr id="4" name="对象 3"/>
-          <p:cNvGraphicFramePr/>
+          <p:cNvGraphicFramePr>
+            <a:graphicFrameLocks/>
+          </p:cNvGraphicFramePr>
           <p:nvPr/>
         </p:nvGraphicFramePr>
         <p:xfrm>
@@ -4180,44 +4184,9 @@
         </p:xfrm>
         <a:graphic>
           <a:graphicData uri="http://schemas.openxmlformats.org/presentationml/2006/ole">
-            <mc:AlternateContent xmlns:mc="http://schemas.openxmlformats.org/markup-compatibility/2006">
-              <mc:Choice xmlns:v="urn:schemas-microsoft-com:vml" Requires="v">
-                <p:oleObj spid="_x0000_s2049" name="" r:id="rId1" imgW="6985000" imgH="8864600" progId="Visio.Drawing.11">
-                  <p:embed/>
-                </p:oleObj>
-              </mc:Choice>
-              <mc:Fallback>
-                <p:oleObj name="" r:id="rId1" imgW="6985000" imgH="8864600" progId="Visio.Drawing.11">
-                  <p:embed/>
-                  <p:pic>
-                    <p:nvPicPr>
-                      <p:cNvPr id="0" name="图片 2048" descr="image32"/>
-                      <p:cNvPicPr/>
-                      <p:nvPr/>
-                    </p:nvPicPr>
-                    <p:blipFill>
-                      <a:blip r:embed="rId2"/>
-                      <a:stretch>
-                        <a:fillRect/>
-                      </a:stretch>
-                    </p:blipFill>
-                    <p:spPr>
-                      <a:xfrm>
-                        <a:off x="617220" y="1390650"/>
-                        <a:ext cx="3182620" cy="4545330"/>
-                      </a:xfrm>
-                      <a:prstGeom prst="rect">
-                        <a:avLst/>
-                      </a:prstGeom>
-                      <a:noFill/>
-                      <a:ln w="9525">
-                        <a:noFill/>
-                      </a:ln>
-                    </p:spPr>
-                  </p:pic>
-                </p:oleObj>
-              </mc:Fallback>
-            </mc:AlternateContent>
+            <p:oleObj spid="_x0000_s2049" r:id="rId3" imgW="5231665" imgH="6635520" progId="Visio.Drawing.11">
+              <p:embed/>
+            </p:oleObj>
           </a:graphicData>
         </a:graphic>
       </p:graphicFrame>
@@ -4247,7 +4216,6 @@
               <a:rPr lang="zh-CN" altLang="en-US"/>
               <a:t>进程交互</a:t>
             </a:r>
-            <a:endParaRPr lang="zh-CN" altLang="en-US"/>
           </a:p>
           <a:p>
             <a:r>
@@ -4258,7 +4226,6 @@
               <a:rPr lang="zh-CN" altLang="en-US"/>
               <a:t>服务器在使用Master-Worker模型时，会涉及到主进程和工作进程的交互和工作进程之间的交互。</a:t>
             </a:r>
-            <a:endParaRPr lang="zh-CN" altLang="en-US"/>
           </a:p>
           <a:p>
             <a:r>
@@ -4279,14 +4246,12 @@
               <a:rPr lang="zh-CN" altLang="en-US"/>
               <a:t>。</a:t>
             </a:r>
-            <a:endParaRPr lang="zh-CN" altLang="en-US"/>
           </a:p>
           <a:p>
             <a:r>
               <a:rPr lang="zh-CN" altLang="en-US"/>
               <a:t>1.Master-Worker交互</a:t>
             </a:r>
-            <a:endParaRPr lang="zh-CN" altLang="en-US"/>
           </a:p>
           <a:p>
             <a:r>
@@ -4295,9 +4260,6 @@
               </a:rPr>
               <a:t>Worker上报运行负载数据</a:t>
             </a:r>
-            <a:endParaRPr lang="zh-CN" altLang="en-US">
-              <a:sym typeface="+mn-ea"/>
-            </a:endParaRPr>
           </a:p>
           <a:p>
             <a:r>
@@ -4306,9 +4268,6 @@
               </a:rPr>
               <a:t>Worker请求重新加载配置</a:t>
             </a:r>
-            <a:endParaRPr lang="zh-CN" altLang="en-US">
-              <a:sym typeface="+mn-ea"/>
-            </a:endParaRPr>
           </a:p>
           <a:p>
             <a:r>
@@ -4324,7 +4283,6 @@
               <a:rPr lang="zh-CN" altLang="en-US"/>
               <a:t>2.worker-worker交互</a:t>
             </a:r>
-            <a:endParaRPr lang="zh-CN" altLang="en-US"/>
           </a:p>
           <a:p>
             <a:r>
@@ -4337,9 +4295,6 @@
               </a:rPr>
               <a:t>worker可以发送给任意worker，即便不在同一个节点。</a:t>
             </a:r>
-            <a:endParaRPr lang="zh-CN" altLang="en-US">
-              <a:sym typeface="+mn-ea"/>
-            </a:endParaRPr>
           </a:p>
           <a:p>
             <a:endParaRPr lang="zh-CN" altLang="en-US"/>
@@ -4453,7 +4408,6 @@
               <a:rPr lang="zh-CN" altLang="en-US"/>
               <a:t>使用事件驱动模型实现事件处理的异步和非阻塞。</a:t>
             </a:r>
-            <a:endParaRPr lang="zh-CN" altLang="en-US"/>
           </a:p>
           <a:p>
             <a:r>
@@ -4527,91 +4481,81 @@
               </a:rPr>
               <a:t>IO密集场景，</a:t>
             </a:r>
+          </a:p>
+          <a:p>
+            <a:r>
+              <a:rPr lang="zh-CN" altLang="en-US">
+                <a:ea typeface="宋体" panose="02010600030101010101" pitchFamily="2" charset="-122"/>
+              </a:rPr>
+              <a:t>提高并发量和吞吐量。</a:t>
+            </a:r>
+          </a:p>
+          <a:p>
+            <a:r>
+              <a:rPr lang="zh-CN" altLang="en-US">
+                <a:ea typeface="宋体" panose="02010600030101010101" pitchFamily="2" charset="-122"/>
+              </a:rPr>
+              <a:t>参与者包括：</a:t>
+            </a:r>
+          </a:p>
+          <a:p>
+            <a:r>
+              <a:rPr lang="zh-CN" altLang="en-US">
+                <a:ea typeface="宋体" panose="02010600030101010101" pitchFamily="2" charset="-122"/>
+              </a:rPr>
+              <a:t>文件描述符、同步事件分离器（</a:t>
+            </a:r>
+            <a:r>
+              <a:rPr lang="en-US" altLang="zh-CN">
+                <a:ea typeface="宋体" panose="02010600030101010101" pitchFamily="2" charset="-122"/>
+              </a:rPr>
+              <a:t>epoll</a:t>
+            </a:r>
+            <a:r>
+              <a:rPr lang="zh-CN" altLang="en-US">
+                <a:ea typeface="宋体" panose="02010600030101010101" pitchFamily="2" charset="-122"/>
+              </a:rPr>
+              <a:t>）、</a:t>
+            </a:r>
+            <a:r>
+              <a:rPr lang="zh-CN" altLang="en-US">
+                <a:ea typeface="宋体" panose="02010600030101010101" pitchFamily="2" charset="-122"/>
+                <a:sym typeface="+mn-ea"/>
+              </a:rPr>
+              <a:t>事件</a:t>
+            </a:r>
+            <a:r>
+              <a:rPr lang="zh-CN" altLang="en-US">
+                <a:ea typeface="宋体" panose="02010600030101010101" pitchFamily="2" charset="-122"/>
+              </a:rPr>
+              <a:t>处理器（</a:t>
+            </a:r>
+            <a:r>
+              <a:rPr lang="en-US" altLang="zh-CN">
+                <a:ea typeface="宋体" panose="02010600030101010101" pitchFamily="2" charset="-122"/>
+              </a:rPr>
+              <a:t>ev_io</a:t>
+            </a:r>
+            <a:r>
+              <a:rPr lang="zh-CN" altLang="en-US">
+                <a:ea typeface="宋体" panose="02010600030101010101" pitchFamily="2" charset="-122"/>
+              </a:rPr>
+              <a:t>等）、Reactor管理器（ev_run）。参考图如下：</a:t>
+            </a:r>
+          </a:p>
+          <a:p>
             <a:endParaRPr lang="zh-CN" altLang="en-US">
               <a:ea typeface="宋体" panose="02010600030101010101" pitchFamily="2" charset="-122"/>
             </a:endParaRPr>
           </a:p>
-          <a:p>
-            <a:r>
-              <a:rPr lang="zh-CN" altLang="en-US">
-                <a:ea typeface="宋体" panose="02010600030101010101" pitchFamily="2" charset="-122"/>
-              </a:rPr>
-              <a:t>提高并发量和吞吐量。</a:t>
-            </a:r>
-            <a:endParaRPr lang="zh-CN" altLang="en-US">
-              <a:ea typeface="宋体" panose="02010600030101010101" pitchFamily="2" charset="-122"/>
-            </a:endParaRPr>
-          </a:p>
-          <a:p>
-            <a:r>
-              <a:rPr lang="zh-CN" altLang="en-US">
-                <a:ea typeface="宋体" panose="02010600030101010101" pitchFamily="2" charset="-122"/>
-              </a:rPr>
-              <a:t>参与者包括：</a:t>
-            </a:r>
-            <a:endParaRPr lang="zh-CN" altLang="en-US">
-              <a:ea typeface="宋体" panose="02010600030101010101" pitchFamily="2" charset="-122"/>
-            </a:endParaRPr>
-          </a:p>
-          <a:p>
-            <a:r>
-              <a:rPr lang="zh-CN" altLang="en-US">
-                <a:ea typeface="宋体" panose="02010600030101010101" pitchFamily="2" charset="-122"/>
-              </a:rPr>
-              <a:t>文件描述符、同步事件分离器（</a:t>
-            </a:r>
-            <a:r>
-              <a:rPr lang="en-US" altLang="zh-CN">
-                <a:ea typeface="宋体" panose="02010600030101010101" pitchFamily="2" charset="-122"/>
-              </a:rPr>
-              <a:t>epoll</a:t>
-            </a:r>
-            <a:r>
-              <a:rPr lang="zh-CN" altLang="en-US">
-                <a:ea typeface="宋体" panose="02010600030101010101" pitchFamily="2" charset="-122"/>
-              </a:rPr>
-              <a:t>）、</a:t>
-            </a:r>
-            <a:r>
-              <a:rPr lang="zh-CN" altLang="en-US">
-                <a:ea typeface="宋体" panose="02010600030101010101" pitchFamily="2" charset="-122"/>
-                <a:sym typeface="+mn-ea"/>
-              </a:rPr>
-              <a:t>事件</a:t>
-            </a:r>
-            <a:r>
-              <a:rPr lang="zh-CN" altLang="en-US">
-                <a:ea typeface="宋体" panose="02010600030101010101" pitchFamily="2" charset="-122"/>
-              </a:rPr>
-              <a:t>处理器（</a:t>
-            </a:r>
-            <a:r>
-              <a:rPr lang="en-US" altLang="zh-CN">
-                <a:ea typeface="宋体" panose="02010600030101010101" pitchFamily="2" charset="-122"/>
-              </a:rPr>
-              <a:t>ev_io</a:t>
-            </a:r>
-            <a:r>
-              <a:rPr lang="zh-CN" altLang="en-US">
-                <a:ea typeface="宋体" panose="02010600030101010101" pitchFamily="2" charset="-122"/>
-              </a:rPr>
-              <a:t>等）、Reactor管理器（ev_run）。参考图如下：</a:t>
-            </a:r>
-            <a:endParaRPr lang="zh-CN" altLang="en-US">
-              <a:ea typeface="宋体" panose="02010600030101010101" pitchFamily="2" charset="-122"/>
-            </a:endParaRPr>
-          </a:p>
-          <a:p>
-            <a:endParaRPr lang="zh-CN" altLang="en-US">
-              <a:ea typeface="宋体" panose="02010600030101010101" pitchFamily="2" charset="-122"/>
-            </a:endParaRPr>
-          </a:p>
         </p:txBody>
       </p:sp>
       <p:graphicFrame>
         <p:nvGraphicFramePr>
           <p:cNvPr id="13" name="对象 12"/>
-          <p:cNvGraphicFramePr/>
+          <p:cNvGraphicFramePr>
+            <a:graphicFrameLocks/>
+          </p:cNvGraphicFramePr>
           <p:nvPr/>
         </p:nvGraphicFramePr>
         <p:xfrm>
@@ -4620,51 +4564,18 @@
         </p:xfrm>
         <a:graphic>
           <a:graphicData uri="http://schemas.openxmlformats.org/presentationml/2006/ole">
-            <mc:AlternateContent xmlns:mc="http://schemas.openxmlformats.org/markup-compatibility/2006">
-              <mc:Choice xmlns:v="urn:schemas-microsoft-com:vml" Requires="v">
-                <p:oleObj spid="_x0000_s3073" name="" r:id="rId1" imgW="7137400" imgH="12369800" progId="Visio.Drawing.11">
-                  <p:embed/>
-                </p:oleObj>
-              </mc:Choice>
-              <mc:Fallback>
-                <p:oleObj name="" r:id="rId1" imgW="7137400" imgH="12369800" progId="Visio.Drawing.11">
-                  <p:embed/>
-                  <p:pic>
-                    <p:nvPicPr>
-                      <p:cNvPr id="0" name="图片 3072" descr="image33"/>
-                      <p:cNvPicPr/>
-                      <p:nvPr/>
-                    </p:nvPicPr>
-                    <p:blipFill>
-                      <a:blip r:embed="rId2"/>
-                      <a:stretch>
-                        <a:fillRect/>
-                      </a:stretch>
-                    </p:blipFill>
-                    <p:spPr>
-                      <a:xfrm>
-                        <a:off x="395605" y="1206500"/>
-                        <a:ext cx="3035300" cy="5218430"/>
-                      </a:xfrm>
-                      <a:prstGeom prst="rect">
-                        <a:avLst/>
-                      </a:prstGeom>
-                      <a:noFill/>
-                      <a:ln w="9525">
-                        <a:noFill/>
-                      </a:ln>
-                    </p:spPr>
-                  </p:pic>
-                </p:oleObj>
-              </mc:Fallback>
-            </mc:AlternateContent>
+            <p:oleObj spid="_x0000_s17410" r:id="rId3" imgW="5339718" imgH="9263700" progId="Visio.Drawing.11">
+              <p:embed/>
+            </p:oleObj>
           </a:graphicData>
         </a:graphic>
       </p:graphicFrame>
       <p:graphicFrame>
         <p:nvGraphicFramePr>
           <p:cNvPr id="3" name="对象 2"/>
-          <p:cNvGraphicFramePr/>
+          <p:cNvGraphicFramePr>
+            <a:graphicFrameLocks/>
+          </p:cNvGraphicFramePr>
           <p:nvPr/>
         </p:nvGraphicFramePr>
         <p:xfrm>
@@ -4673,40 +4584,9 @@
         </p:xfrm>
         <a:graphic>
           <a:graphicData uri="http://schemas.openxmlformats.org/presentationml/2006/ole">
-            <mc:AlternateContent xmlns:mc="http://schemas.openxmlformats.org/markup-compatibility/2006">
-              <mc:Choice xmlns:v="urn:schemas-microsoft-com:vml" Requires="v">
-                <p:oleObj spid="_x0000_s4" name="" r:id="rId3" imgW="4495800" imgH="1838325" progId="Paint.Picture">
-                  <p:embed/>
-                </p:oleObj>
-              </mc:Choice>
-              <mc:Fallback>
-                <p:oleObj name="" r:id="rId3" imgW="4495800" imgH="1838325" progId="Paint.Picture">
-                  <p:embed/>
-                  <p:pic>
-                    <p:nvPicPr>
-                      <p:cNvPr id="0" name="图片 3"/>
-                      <p:cNvPicPr/>
-                      <p:nvPr/>
-                    </p:nvPicPr>
-                    <p:blipFill>
-                      <a:blip r:embed="rId4"/>
-                      <a:stretch>
-                        <a:fillRect/>
-                      </a:stretch>
-                    </p:blipFill>
-                    <p:spPr>
-                      <a:xfrm>
-                        <a:off x="3927475" y="4082415"/>
-                        <a:ext cx="3947795" cy="1387475"/>
-                      </a:xfrm>
-                      <a:prstGeom prst="rect">
-                        <a:avLst/>
-                      </a:prstGeom>
-                    </p:spPr>
-                  </p:pic>
-                </p:oleObj>
-              </mc:Fallback>
-            </mc:AlternateContent>
+            <p:oleObj spid="_x0000_s17409" r:id="rId4" imgW="4495238" imgH="1838095" progId="PBrush">
+              <p:embed/>
+            </p:oleObj>
           </a:graphicData>
         </a:graphic>
       </p:graphicFrame>
@@ -4730,12 +4610,12 @@
           <a:bodyPr wrap="square" rtlCol="0">
             <a:spAutoFit/>
           </a:bodyPr>
+          <a:lstStyle/>
           <a:p>
             <a:r>
               <a:rPr lang="zh-CN" altLang="en-US"/>
               <a:t>模型结构为： 一个事件循环，以事件驱动和事件回调方式实现业务的逻辑。</a:t>
             </a:r>
-            <a:endParaRPr lang="zh-CN" altLang="en-US"/>
           </a:p>
           <a:p>
             <a:r>
@@ -4759,10 +4639,6 @@
               </a:rPr>
               <a:t>水平模式。</a:t>
             </a:r>
-            <a:endParaRPr lang="zh-CN" altLang="en-US">
-              <a:ea typeface="宋体" panose="02010600030101010101" pitchFamily="2" charset="-122"/>
-              <a:sym typeface="+mn-ea"/>
-            </a:endParaRPr>
           </a:p>
         </p:txBody>
       </p:sp>
@@ -4850,7 +4726,9 @@
       <p:graphicFrame>
         <p:nvGraphicFramePr>
           <p:cNvPr id="3" name="对象 2"/>
-          <p:cNvGraphicFramePr/>
+          <p:cNvGraphicFramePr>
+            <a:graphicFrameLocks/>
+          </p:cNvGraphicFramePr>
           <p:nvPr/>
         </p:nvGraphicFramePr>
         <p:xfrm>
@@ -4859,44 +4737,9 @@
         </p:xfrm>
         <a:graphic>
           <a:graphicData uri="http://schemas.openxmlformats.org/presentationml/2006/ole">
-            <mc:AlternateContent xmlns:mc="http://schemas.openxmlformats.org/markup-compatibility/2006">
-              <mc:Choice xmlns:v="urn:schemas-microsoft-com:vml" Requires="v">
-                <p:oleObj spid="_x0000_s4097" name="" r:id="rId1" imgW="8572500" imgH="9359900" progId="Visio.Drawing.11">
-                  <p:embed/>
-                </p:oleObj>
-              </mc:Choice>
-              <mc:Fallback>
-                <p:oleObj name="" r:id="rId1" imgW="8572500" imgH="9359900" progId="Visio.Drawing.11">
-                  <p:embed/>
-                  <p:pic>
-                    <p:nvPicPr>
-                      <p:cNvPr id="0" name="图片 4096"/>
-                      <p:cNvPicPr/>
-                      <p:nvPr/>
-                    </p:nvPicPr>
-                    <p:blipFill>
-                      <a:blip r:embed="rId2"/>
-                      <a:stretch>
-                        <a:fillRect/>
-                      </a:stretch>
-                    </p:blipFill>
-                    <p:spPr>
-                      <a:xfrm>
-                        <a:off x="490855" y="1370965"/>
-                        <a:ext cx="4568825" cy="4365625"/>
-                      </a:xfrm>
-                      <a:prstGeom prst="rect">
-                        <a:avLst/>
-                      </a:prstGeom>
-                      <a:noFill/>
-                      <a:ln w="9525">
-                        <a:noFill/>
-                      </a:ln>
-                    </p:spPr>
-                  </p:pic>
-                </p:oleObj>
-              </mc:Fallback>
-            </mc:AlternateContent>
+            <p:oleObj spid="_x0000_s18433" r:id="rId3" imgW="6419709" imgH="7013520" progId="Visio.Drawing.11">
+              <p:embed/>
+            </p:oleObj>
           </a:graphicData>
         </a:graphic>
       </p:graphicFrame>
@@ -4936,9 +4779,6 @@
               </a:rPr>
               <a:t>次握手协议：</a:t>
             </a:r>
-            <a:endParaRPr lang="zh-CN" altLang="en-US">
-              <a:ea typeface="宋体" panose="02010600030101010101" pitchFamily="2" charset="-122"/>
-            </a:endParaRPr>
           </a:p>
           <a:p>
             <a:r>
@@ -4953,9 +4793,6 @@
               </a:rPr>
               <a:t>）建立了网络连接</a:t>
             </a:r>
-            <a:endParaRPr lang="zh-CN" altLang="en-US">
-              <a:ea typeface="宋体" panose="02010600030101010101" pitchFamily="2" charset="-122"/>
-            </a:endParaRPr>
           </a:p>
           <a:p>
             <a:r>
@@ -4970,9 +4807,6 @@
               </a:rPr>
               <a:t>）双方获取了对方工作者的信息</a:t>
             </a:r>
-            <a:endParaRPr lang="zh-CN" altLang="en-US">
-              <a:ea typeface="宋体" panose="02010600030101010101" pitchFamily="2" charset="-122"/>
-            </a:endParaRPr>
           </a:p>
           <a:p>
             <a:endParaRPr lang="zh-CN" altLang="en-US">
@@ -5088,7 +4922,6 @@
               <a:rPr lang="zh-CN" altLang="en-US"/>
               <a:t>目前支持协议：</a:t>
             </a:r>
-            <a:endParaRPr lang="zh-CN" altLang="en-US"/>
           </a:p>
           <a:p>
             <a:r>
@@ -5134,6 +4967,58 @@
                 <a:ea typeface="宋体" panose="02010600030101010101" pitchFamily="2" charset="-122"/>
               </a:rPr>
               <a:t>）</a:t>
+            </a:r>
+          </a:p>
+          <a:p>
+            <a:r>
+              <a:rPr lang="en-US" altLang="zh-CN">
+                <a:ea typeface="宋体" panose="02010600030101010101" pitchFamily="2" charset="-122"/>
+              </a:rPr>
+              <a:t>2</a:t>
+            </a:r>
+            <a:r>
+              <a:rPr lang="zh-CN" altLang="en-US">
+                <a:ea typeface="宋体" panose="02010600030101010101" pitchFamily="2" charset="-122"/>
+              </a:rPr>
+              <a:t>）</a:t>
+            </a:r>
+            <a:r>
+              <a:rPr lang="en-US" altLang="zh-CN">
+                <a:ea typeface="宋体" panose="02010600030101010101" pitchFamily="2" charset="-122"/>
+              </a:rPr>
+              <a:t>websocket</a:t>
+            </a:r>
+            <a:r>
+              <a:rPr lang="zh-CN" altLang="en-US">
+                <a:ea typeface="宋体" panose="02010600030101010101" pitchFamily="2" charset="-122"/>
+              </a:rPr>
+              <a:t>协议，</a:t>
+            </a:r>
+            <a:r>
+              <a:rPr lang="zh-CN" altLang="en-US">
+                <a:ea typeface="宋体" panose="02010600030101010101" pitchFamily="2" charset="-122"/>
+                <a:sym typeface="+mn-ea"/>
+              </a:rPr>
+              <a:t>消息头为二进制、</a:t>
+            </a:r>
+            <a:r>
+              <a:rPr lang="zh-CN" altLang="en-US">
+                <a:ea typeface="宋体" panose="02010600030101010101" pitchFamily="2" charset="-122"/>
+              </a:rPr>
+              <a:t>自定义数据体为</a:t>
+            </a:r>
+            <a:r>
+              <a:rPr lang="en-US" altLang="zh-CN">
+                <a:ea typeface="宋体" panose="02010600030101010101" pitchFamily="2" charset="-122"/>
+              </a:rPr>
+              <a:t>json</a:t>
+            </a:r>
+            <a:r>
+              <a:rPr lang="zh-CN" altLang="en-US">
+                <a:ea typeface="宋体" panose="02010600030101010101" pitchFamily="2" charset="-122"/>
+                <a:sym typeface="+mn-ea"/>
+              </a:rPr>
+              <a:t>格式</a:t>
             </a:r>
             <a:endParaRPr lang="zh-CN" altLang="en-US">
               <a:ea typeface="宋体" panose="02010600030101010101" pitchFamily="2" charset="-122"/>
@@ -5143,85 +5028,118 @@
             <a:r>
               <a:rPr lang="en-US" altLang="zh-CN">
                 <a:ea typeface="宋体" panose="02010600030101010101" pitchFamily="2" charset="-122"/>
-              </a:rPr>
-              <a:t>2</a:t>
+                <a:sym typeface="+mn-ea"/>
+              </a:rPr>
+              <a:t>3</a:t>
             </a:r>
             <a:r>
               <a:rPr lang="zh-CN" altLang="en-US">
                 <a:ea typeface="宋体" panose="02010600030101010101" pitchFamily="2" charset="-122"/>
+                <a:sym typeface="+mn-ea"/>
               </a:rPr>
               <a:t>）</a:t>
             </a:r>
             <a:r>
               <a:rPr lang="en-US" altLang="zh-CN">
                 <a:ea typeface="宋体" panose="02010600030101010101" pitchFamily="2" charset="-122"/>
+                <a:sym typeface="+mn-ea"/>
               </a:rPr>
               <a:t>websocket</a:t>
             </a:r>
             <a:r>
               <a:rPr lang="zh-CN" altLang="en-US">
                 <a:ea typeface="宋体" panose="02010600030101010101" pitchFamily="2" charset="-122"/>
-              </a:rPr>
-              <a:t>协议，</a:t>
+                <a:sym typeface="+mn-ea"/>
+              </a:rPr>
+              <a:t>协议，消息头为二进制、自定义数据体为</a:t>
+            </a:r>
+            <a:r>
+              <a:rPr lang="en-US" altLang="zh-CN">
+                <a:ea typeface="宋体" panose="02010600030101010101" pitchFamily="2" charset="-122"/>
+                <a:sym typeface="+mn-ea"/>
+              </a:rPr>
+              <a:t>pb</a:t>
             </a:r>
             <a:r>
               <a:rPr lang="zh-CN" altLang="en-US">
                 <a:ea typeface="宋体" panose="02010600030101010101" pitchFamily="2" charset="-122"/>
                 <a:sym typeface="+mn-ea"/>
               </a:rPr>
-              <a:t>消息头为二进制、</a:t>
+              <a:t>格式</a:t>
+            </a:r>
+          </a:p>
+          <a:p>
+            <a:r>
+              <a:rPr lang="en-US" altLang="zh-CN">
+                <a:ea typeface="宋体" panose="02010600030101010101" pitchFamily="2" charset="-122"/>
+                <a:sym typeface="+mn-ea"/>
+              </a:rPr>
+              <a:t>4</a:t>
             </a:r>
             <a:r>
               <a:rPr lang="zh-CN" altLang="en-US">
                 <a:ea typeface="宋体" panose="02010600030101010101" pitchFamily="2" charset="-122"/>
-              </a:rPr>
-              <a:t>自定义数据体为</a:t>
+                <a:sym typeface="+mn-ea"/>
+              </a:rPr>
+              <a:t>）</a:t>
             </a:r>
             <a:r>
               <a:rPr lang="en-US" altLang="zh-CN">
                 <a:ea typeface="宋体" panose="02010600030101010101" pitchFamily="2" charset="-122"/>
-              </a:rPr>
-              <a:t>json</a:t>
+                <a:sym typeface="+mn-ea"/>
+              </a:rPr>
+              <a:t>http</a:t>
             </a:r>
             <a:r>
               <a:rPr lang="zh-CN" altLang="en-US">
                 <a:ea typeface="宋体" panose="02010600030101010101" pitchFamily="2" charset="-122"/>
                 <a:sym typeface="+mn-ea"/>
               </a:rPr>
-              <a:t>格式</a:t>
-            </a:r>
-            <a:endParaRPr lang="zh-CN" altLang="en-US">
-              <a:ea typeface="宋体" panose="02010600030101010101" pitchFamily="2" charset="-122"/>
-            </a:endParaRPr>
-          </a:p>
-          <a:p>
+              <a:t>协议（</a:t>
+            </a:r>
             <a:r>
               <a:rPr lang="en-US" altLang="zh-CN">
                 <a:ea typeface="宋体" panose="02010600030101010101" pitchFamily="2" charset="-122"/>
                 <a:sym typeface="+mn-ea"/>
               </a:rPr>
-              <a:t>3</a:t>
+              <a:t>http 1.1</a:t>
             </a:r>
             <a:r>
               <a:rPr lang="zh-CN" altLang="en-US">
                 <a:ea typeface="宋体" panose="02010600030101010101" pitchFamily="2" charset="-122"/>
                 <a:sym typeface="+mn-ea"/>
               </a:rPr>
+              <a:t>，支持</a:t>
+            </a:r>
+            <a:r>
+              <a:rPr lang="en-US" altLang="zh-CN">
+                <a:ea typeface="宋体" panose="02010600030101010101" pitchFamily="2" charset="-122"/>
+                <a:sym typeface="+mn-ea"/>
+              </a:rPr>
+              <a:t>chunked编码</a:t>
+            </a:r>
+            <a:r>
+              <a:rPr lang="zh-CN" altLang="en-US">
+                <a:ea typeface="宋体" panose="02010600030101010101" pitchFamily="2" charset="-122"/>
+                <a:sym typeface="+mn-ea"/>
+              </a:rPr>
               <a:t>）</a:t>
             </a:r>
+          </a:p>
+          <a:p>
             <a:r>
               <a:rPr lang="en-US" altLang="zh-CN">
                 <a:ea typeface="宋体" panose="02010600030101010101" pitchFamily="2" charset="-122"/>
                 <a:sym typeface="+mn-ea"/>
               </a:rPr>
-              <a:t>websocket</a:t>
+              <a:t>5</a:t>
             </a:r>
             <a:r>
               <a:rPr lang="zh-CN" altLang="en-US">
                 <a:ea typeface="宋体" panose="02010600030101010101" pitchFamily="2" charset="-122"/>
                 <a:sym typeface="+mn-ea"/>
               </a:rPr>
-              <a:t>协议，消息头为二进制、自定义数据体为</a:t>
+              <a:t>）内部</a:t>
             </a:r>
             <a:r>
               <a:rPr lang="en-US" altLang="zh-CN">
@@ -5235,8 +5153,24 @@
                 <a:ea typeface="宋体" panose="02010600030101010101" pitchFamily="2" charset="-122"/>
                 <a:sym typeface="+mn-ea"/>
               </a:rPr>
-              <a:t>格式</a:t>
-            </a:r>
+              <a:t>协议（不开放，消息头和消息体都为</a:t>
+            </a:r>
+            <a:r>
+              <a:rPr lang="en-US" altLang="zh-CN">
+                <a:ea typeface="宋体" panose="02010600030101010101" pitchFamily="2" charset="-122"/>
+                <a:sym typeface="+mn-ea"/>
+              </a:rPr>
+              <a:t>pb</a:t>
+            </a:r>
+            <a:r>
+              <a:rPr lang="zh-CN" altLang="en-US">
+                <a:ea typeface="宋体" panose="02010600030101010101" pitchFamily="2" charset="-122"/>
+                <a:sym typeface="+mn-ea"/>
+              </a:rPr>
+              <a:t>）</a:t>
+            </a:r>
+          </a:p>
+          <a:p>
             <a:endParaRPr lang="zh-CN" altLang="en-US">
               <a:ea typeface="宋体" panose="02010600030101010101" pitchFamily="2" charset="-122"/>
               <a:sym typeface="+mn-ea"/>
@@ -5244,60 +5178,65 @@
           </a:p>
           <a:p>
             <a:r>
+              <a:rPr lang="zh-CN" altLang="en-US">
+                <a:ea typeface="宋体" panose="02010600030101010101" pitchFamily="2" charset="-122"/>
+                <a:sym typeface="+mn-ea"/>
+              </a:rPr>
+              <a:t>自定义消息体支持</a:t>
+            </a:r>
+            <a:r>
               <a:rPr lang="en-US" altLang="zh-CN">
-                <a:ea typeface="宋体" panose="02010600030101010101" pitchFamily="2" charset="-122"/>
-                <a:sym typeface="+mn-ea"/>
-              </a:rPr>
-              <a:t>4</a:t>
+                <a:latin typeface="宋体" panose="02010600030101010101" pitchFamily="2" charset="-122"/>
+                <a:ea typeface="宋体" panose="02010600030101010101" pitchFamily="2" charset="-122"/>
+                <a:cs typeface="宋体" panose="02010600030101010101" pitchFamily="2" charset="-122"/>
+                <a:sym typeface="+mn-ea"/>
+              </a:rPr>
+              <a:t>ZIP</a:t>
             </a:r>
             <a:r>
               <a:rPr lang="zh-CN" altLang="en-US">
-                <a:ea typeface="宋体" panose="02010600030101010101" pitchFamily="2" charset="-122"/>
-                <a:sym typeface="+mn-ea"/>
-              </a:rPr>
-              <a:t>）</a:t>
+                <a:latin typeface="宋体" panose="02010600030101010101" pitchFamily="2" charset="-122"/>
+                <a:ea typeface="宋体" panose="02010600030101010101" pitchFamily="2" charset="-122"/>
+                <a:cs typeface="宋体" panose="02010600030101010101" pitchFamily="2" charset="-122"/>
+                <a:sym typeface="+mn-ea"/>
+              </a:rPr>
+              <a:t>、</a:t>
             </a:r>
             <a:r>
               <a:rPr lang="en-US" altLang="zh-CN">
-                <a:ea typeface="宋体" panose="02010600030101010101" pitchFamily="2" charset="-122"/>
-                <a:sym typeface="+mn-ea"/>
-              </a:rPr>
-              <a:t>http</a:t>
+                <a:latin typeface="宋体" panose="02010600030101010101" pitchFamily="2" charset="-122"/>
+                <a:ea typeface="宋体" panose="02010600030101010101" pitchFamily="2" charset="-122"/>
+                <a:cs typeface="宋体" panose="02010600030101010101" pitchFamily="2" charset="-122"/>
+                <a:sym typeface="+mn-ea"/>
+              </a:rPr>
+              <a:t>GZIP</a:t>
             </a:r>
             <a:r>
               <a:rPr lang="zh-CN" altLang="en-US">
-                <a:ea typeface="宋体" panose="02010600030101010101" pitchFamily="2" charset="-122"/>
-                <a:sym typeface="+mn-ea"/>
-              </a:rPr>
-              <a:t>协议（</a:t>
+                <a:latin typeface="宋体" panose="02010600030101010101" pitchFamily="2" charset="-122"/>
+                <a:ea typeface="宋体" panose="02010600030101010101" pitchFamily="2" charset="-122"/>
+                <a:cs typeface="宋体" panose="02010600030101010101" pitchFamily="2" charset="-122"/>
+                <a:sym typeface="+mn-ea"/>
+              </a:rPr>
+              <a:t>压缩算法，</a:t>
             </a:r>
             <a:r>
               <a:rPr lang="en-US" altLang="zh-CN">
-                <a:ea typeface="宋体" panose="02010600030101010101" pitchFamily="2" charset="-122"/>
-                <a:sym typeface="+mn-ea"/>
-              </a:rPr>
-              <a:t>http 1.1</a:t>
+                <a:latin typeface="宋体" panose="02010600030101010101" pitchFamily="2" charset="-122"/>
+                <a:ea typeface="宋体" panose="02010600030101010101" pitchFamily="2" charset="-122"/>
+                <a:cs typeface="宋体" panose="02010600030101010101" pitchFamily="2" charset="-122"/>
+                <a:sym typeface="+mn-ea"/>
+              </a:rPr>
+              <a:t>RC5</a:t>
             </a:r>
             <a:r>
               <a:rPr lang="zh-CN" altLang="en-US">
-                <a:ea typeface="宋体" panose="02010600030101010101" pitchFamily="2" charset="-122"/>
-                <a:sym typeface="+mn-ea"/>
-              </a:rPr>
-              <a:t>，支持</a:t>
-            </a:r>
-            <a:r>
-              <a:rPr lang="en-US" altLang="zh-CN">
-                <a:ea typeface="宋体" panose="02010600030101010101" pitchFamily="2" charset="-122"/>
-                <a:sym typeface="+mn-ea"/>
-              </a:rPr>
-              <a:t>chunked编码</a:t>
-            </a:r>
-            <a:r>
-              <a:rPr lang="zh-CN" altLang="en-US">
-                <a:ea typeface="宋体" panose="02010600030101010101" pitchFamily="2" charset="-122"/>
-                <a:sym typeface="+mn-ea"/>
-              </a:rPr>
-              <a:t>）</a:t>
+                <a:latin typeface="宋体" panose="02010600030101010101" pitchFamily="2" charset="-122"/>
+                <a:ea typeface="宋体" panose="02010600030101010101" pitchFamily="2" charset="-122"/>
+                <a:cs typeface="宋体" panose="02010600030101010101" pitchFamily="2" charset="-122"/>
+                <a:sym typeface="+mn-ea"/>
+              </a:rPr>
+              <a:t>加密算法。</a:t>
             </a:r>
             <a:endParaRPr lang="zh-CN" altLang="en-US">
               <a:ea typeface="宋体" panose="02010600030101010101" pitchFamily="2" charset="-122"/>
@@ -5305,127 +5244,6 @@
             </a:endParaRPr>
           </a:p>
           <a:p>
-            <a:r>
-              <a:rPr lang="en-US" altLang="zh-CN">
-                <a:ea typeface="宋体" panose="02010600030101010101" pitchFamily="2" charset="-122"/>
-                <a:sym typeface="+mn-ea"/>
-              </a:rPr>
-              <a:t>5</a:t>
-            </a:r>
-            <a:r>
-              <a:rPr lang="zh-CN" altLang="en-US">
-                <a:ea typeface="宋体" panose="02010600030101010101" pitchFamily="2" charset="-122"/>
-                <a:sym typeface="+mn-ea"/>
-              </a:rPr>
-              <a:t>）内部</a:t>
-            </a:r>
-            <a:r>
-              <a:rPr lang="en-US" altLang="zh-CN">
-                <a:ea typeface="宋体" panose="02010600030101010101" pitchFamily="2" charset="-122"/>
-                <a:sym typeface="+mn-ea"/>
-              </a:rPr>
-              <a:t>pb</a:t>
-            </a:r>
-            <a:r>
-              <a:rPr lang="zh-CN" altLang="en-US">
-                <a:ea typeface="宋体" panose="02010600030101010101" pitchFamily="2" charset="-122"/>
-                <a:sym typeface="+mn-ea"/>
-              </a:rPr>
-              <a:t>协议（不开放，消息头和消息体都为</a:t>
-            </a:r>
-            <a:r>
-              <a:rPr lang="en-US" altLang="zh-CN">
-                <a:ea typeface="宋体" panose="02010600030101010101" pitchFamily="2" charset="-122"/>
-                <a:sym typeface="+mn-ea"/>
-              </a:rPr>
-              <a:t>pb</a:t>
-            </a:r>
-            <a:r>
-              <a:rPr lang="zh-CN" altLang="en-US">
-                <a:ea typeface="宋体" panose="02010600030101010101" pitchFamily="2" charset="-122"/>
-                <a:sym typeface="+mn-ea"/>
-              </a:rPr>
-              <a:t>）</a:t>
-            </a:r>
-            <a:endParaRPr lang="zh-CN" altLang="en-US">
-              <a:ea typeface="宋体" panose="02010600030101010101" pitchFamily="2" charset="-122"/>
-              <a:sym typeface="+mn-ea"/>
-            </a:endParaRPr>
-          </a:p>
-          <a:p>
-            <a:endParaRPr lang="zh-CN" altLang="en-US">
-              <a:ea typeface="宋体" panose="02010600030101010101" pitchFamily="2" charset="-122"/>
-              <a:sym typeface="+mn-ea"/>
-            </a:endParaRPr>
-          </a:p>
-          <a:p>
-            <a:r>
-              <a:rPr lang="zh-CN" altLang="en-US">
-                <a:ea typeface="宋体" panose="02010600030101010101" pitchFamily="2" charset="-122"/>
-                <a:sym typeface="+mn-ea"/>
-              </a:rPr>
-              <a:t>自定义消息体支持</a:t>
-            </a:r>
-            <a:r>
-              <a:rPr lang="en-US" altLang="zh-CN">
-                <a:latin typeface="宋体" panose="02010600030101010101" pitchFamily="2" charset="-122"/>
-                <a:ea typeface="宋体" panose="02010600030101010101" pitchFamily="2" charset="-122"/>
-                <a:cs typeface="宋体" panose="02010600030101010101" pitchFamily="2" charset="-122"/>
-                <a:sym typeface="+mn-ea"/>
-              </a:rPr>
-              <a:t>ZIP</a:t>
-            </a:r>
-            <a:r>
-              <a:rPr lang="zh-CN" altLang="en-US">
-                <a:latin typeface="宋体" panose="02010600030101010101" pitchFamily="2" charset="-122"/>
-                <a:ea typeface="宋体" panose="02010600030101010101" pitchFamily="2" charset="-122"/>
-                <a:cs typeface="宋体" panose="02010600030101010101" pitchFamily="2" charset="-122"/>
-                <a:sym typeface="+mn-ea"/>
-              </a:rPr>
-              <a:t>、</a:t>
-            </a:r>
-            <a:r>
-              <a:rPr lang="en-US" altLang="zh-CN">
-                <a:latin typeface="宋体" panose="02010600030101010101" pitchFamily="2" charset="-122"/>
-                <a:ea typeface="宋体" panose="02010600030101010101" pitchFamily="2" charset="-122"/>
-                <a:cs typeface="宋体" panose="02010600030101010101" pitchFamily="2" charset="-122"/>
-                <a:sym typeface="+mn-ea"/>
-              </a:rPr>
-              <a:t>GZIP</a:t>
-            </a:r>
-            <a:r>
-              <a:rPr lang="zh-CN" altLang="en-US">
-                <a:latin typeface="宋体" panose="02010600030101010101" pitchFamily="2" charset="-122"/>
-                <a:ea typeface="宋体" panose="02010600030101010101" pitchFamily="2" charset="-122"/>
-                <a:cs typeface="宋体" panose="02010600030101010101" pitchFamily="2" charset="-122"/>
-                <a:sym typeface="+mn-ea"/>
-              </a:rPr>
-              <a:t>压缩算法，</a:t>
-            </a:r>
-            <a:r>
-              <a:rPr lang="en-US" altLang="zh-CN">
-                <a:latin typeface="宋体" panose="02010600030101010101" pitchFamily="2" charset="-122"/>
-                <a:ea typeface="宋体" panose="02010600030101010101" pitchFamily="2" charset="-122"/>
-                <a:cs typeface="宋体" panose="02010600030101010101" pitchFamily="2" charset="-122"/>
-                <a:sym typeface="+mn-ea"/>
-              </a:rPr>
-              <a:t>RC5</a:t>
-            </a:r>
-            <a:r>
-              <a:rPr lang="zh-CN" altLang="en-US">
-                <a:latin typeface="宋体" panose="02010600030101010101" pitchFamily="2" charset="-122"/>
-                <a:ea typeface="宋体" panose="02010600030101010101" pitchFamily="2" charset="-122"/>
-                <a:cs typeface="宋体" panose="02010600030101010101" pitchFamily="2" charset="-122"/>
-                <a:sym typeface="+mn-ea"/>
-              </a:rPr>
-              <a:t>加密算法。</a:t>
-            </a:r>
-            <a:endParaRPr lang="zh-CN" altLang="en-US">
-              <a:ea typeface="宋体" panose="02010600030101010101" pitchFamily="2" charset="-122"/>
-              <a:sym typeface="+mn-ea"/>
-            </a:endParaRPr>
-          </a:p>
-          <a:p>
             <a:endParaRPr lang="zh-CN" altLang="en-US">
               <a:ea typeface="宋体" panose="02010600030101010101" pitchFamily="2" charset="-122"/>
             </a:endParaRPr>
@@ -5450,10 +5268,6 @@
               </a:rPr>
               <a:t>。</a:t>
             </a:r>
-            <a:endParaRPr lang="zh-CN">
-              <a:ea typeface="宋体" panose="02010600030101010101" pitchFamily="2" charset="-122"/>
-              <a:sym typeface="+mn-ea"/>
-            </a:endParaRPr>
           </a:p>
           <a:p>
             <a:r>
@@ -5593,9 +5407,6 @@
               </a:rPr>
               <a:t>接入层节点被连接后，在接收到第一个消息时，判断消息的结构，从而自动切换解码器。连接初始化完成后，则不再切换。</a:t>
             </a:r>
-            <a:endParaRPr lang="zh-CN" altLang="en-US">
-              <a:sym typeface="+mn-ea"/>
-            </a:endParaRPr>
           </a:p>
           <a:p>
             <a:endParaRPr lang="zh-CN" altLang="en-US"/>
@@ -5648,10 +5459,6 @@
               </a:rPr>
               <a:t>协议。</a:t>
             </a:r>
-            <a:endParaRPr lang="zh-CN" altLang="en-US">
-              <a:ea typeface="宋体" panose="02010600030101010101" pitchFamily="2" charset="-122"/>
-              <a:sym typeface="+mn-ea"/>
-            </a:endParaRPr>
           </a:p>
           <a:p>
             <a:endParaRPr lang="zh-CN" altLang="en-US">
@@ -5770,10 +5577,6 @@
               </a:rPr>
               <a:t>测试物理机是6核cpu，16G内存，300.0 GB硬盘，1000Mb网卡和路由。</a:t>
             </a:r>
-            <a:endParaRPr lang="zh-CN" altLang="en-US" dirty="0">
-              <a:ea typeface="宋体" panose="02010600030101010101" pitchFamily="2" charset="-122"/>
-              <a:sym typeface="+mn-ea"/>
-            </a:endParaRPr>
           </a:p>
           <a:p>
             <a:r>
@@ -5821,7 +5624,7 @@
         </p:nvGraphicFramePr>
         <p:xfrm>
           <a:off x="611560" y="2348880"/>
-          <a:ext cx="7781290" cy="3385820"/>
+          <a:ext cx="7781293" cy="3495446"/>
         </p:xfrm>
         <a:graphic>
           <a:graphicData uri="http://schemas.openxmlformats.org/drawingml/2006/table">
@@ -5930,20 +5733,28 @@
                     <a:lstStyle/>
                     <a:p>
                       <a:r>
-                        <a:rPr lang="en-US" altLang="zh-CN" sz="1200" dirty="0" smtClean="0"/>
-                        <a:t>Web</a:t>
+                        <a:rPr lang="zh-CN" altLang="en-US" sz="1200" dirty="0" smtClean="0">
+                          <a:ea typeface="宋体" panose="02010600030101010101" pitchFamily="2" charset="-122"/>
+                        </a:rPr>
+                        <a:t>网络收发（</a:t>
                       </a:r>
                       <a:r>
-                        <a:rPr lang="zh-CN" altLang="en-US" sz="1200" dirty="0" smtClean="0"/>
-                        <a:t>服务器代理（</a:t>
+                        <a:rPr lang="en-US" altLang="zh-CN" sz="1200" dirty="0" smtClean="0">
+                          <a:sym typeface="+mn-ea"/>
+                        </a:rPr>
+                        <a:t>http Web</a:t>
                       </a:r>
                       <a:r>
-                        <a:rPr lang="en-US" altLang="zh-CN" sz="1200" dirty="0" smtClean="0"/>
-                        <a:t>http</a:t>
+                        <a:rPr lang="zh-CN" altLang="en-US" sz="1200" dirty="0" smtClean="0">
+                          <a:sym typeface="+mn-ea"/>
+                        </a:rPr>
+                        <a:t>服务器</a:t>
                       </a:r>
                       <a:r>
-                        <a:rPr lang="zh-CN" altLang="en-US" sz="1200" dirty="0" smtClean="0"/>
-                        <a:t>解码）</a:t>
+                        <a:rPr lang="zh-CN" altLang="en-US" sz="1200" dirty="0" smtClean="0">
+                          <a:ea typeface="宋体" panose="02010600030101010101" pitchFamily="2" charset="-122"/>
+                        </a:rPr>
+                        <a:t>）</a:t>
                       </a:r>
                       <a:endParaRPr lang="zh-CN" altLang="en-US" sz="1200" dirty="0"/>
                     </a:p>
@@ -6000,8 +5811,14 @@
                     <a:lstStyle/>
                     <a:p>
                       <a:r>
-                        <a:rPr lang="zh-CN" altLang="en-US" sz="1200" dirty="0" smtClean="0"/>
-                        <a:t>8973.08</a:t>
+                        <a:rPr lang="en-US" altLang="zh-CN" sz="1200" dirty="0" smtClean="0"/>
+                        <a:t>23255.81</a:t>
+                      </a:r>
+                      <a:r>
+                        <a:rPr lang="en-US" altLang="zh-CN" sz="1200" dirty="0" smtClean="0">
+                          <a:sym typeface="+mn-ea"/>
+                        </a:rPr>
+                        <a:t>qps</a:t>
                       </a:r>
                       <a:endParaRPr lang="zh-CN" altLang="en-US" sz="1200" dirty="0"/>
                     </a:p>
@@ -6216,42 +6033,29 @@
                         <a:rPr lang="zh-CN" altLang="en-US" sz="1200" dirty="0" smtClean="0">
                           <a:sym typeface="+mn-ea"/>
                         </a:rPr>
-                        <a:t>从web服务器代理，异步发送</a:t>
-                      </a:r>
-                      <a:r>
-                        <a:rPr lang="en-US" altLang="zh-CN" sz="1200" dirty="0" err="1" smtClean="0">
-                          <a:sym typeface="+mn-ea"/>
-                        </a:rPr>
-                        <a:t>dataproxy</a:t>
+                        <a:t>数据代理（web服务器到数据</a:t>
                       </a:r>
                       <a:r>
                         <a:rPr lang="zh-CN" altLang="en-US" sz="1200" dirty="0" smtClean="0">
                           <a:ea typeface="宋体" panose="02010600030101010101" pitchFamily="2" charset="-122"/>
                           <a:sym typeface="+mn-ea"/>
                         </a:rPr>
-                        <a:t>代理，</a:t>
+                        <a:t>代理，再到</a:t>
                       </a:r>
                       <a:r>
                         <a:rPr lang="zh-CN" altLang="en-US" sz="1200" dirty="0" smtClean="0">
                           <a:sym typeface="+mn-ea"/>
                         </a:rPr>
-                        <a:t>redis（数据存在于</a:t>
-                      </a:r>
-                      <a:r>
-                        <a:rPr lang="en-US" altLang="zh-CN" sz="1200" dirty="0" err="1" smtClean="0">
-                          <a:sym typeface="+mn-ea"/>
-                        </a:rPr>
                         <a:t>redis</a:t>
                       </a:r>
                       <a:r>
-                        <a:rPr lang="zh-CN" altLang="en-US" sz="1200" dirty="0" smtClean="0">
-                          <a:ea typeface="宋体" panose="02010600030101010101" pitchFamily="2" charset="-122"/>
+                        <a:rPr lang="en-US" altLang="zh-CN" sz="1200" dirty="0" smtClean="0">
                           <a:sym typeface="+mn-ea"/>
                         </a:rPr>
-                        <a:t>中</a:t>
+                        <a:t>/ssdb</a:t>
                       </a:r>
                       <a:r>
-                        <a:rPr lang="zh-CN" altLang="en-US" sz="1200" dirty="0" smtClean="0">
+                        <a:rPr lang="zh-CN" altLang="en-US" sz="1200" smtClean="0">
                           <a:sym typeface="+mn-ea"/>
                         </a:rPr>
                         <a:t>）</a:t>
@@ -6311,10 +6115,107 @@
                     <a:lstStyle/>
                     <a:p>
                       <a:r>
+                        <a:rPr lang="zh-CN" altLang="en-US" sz="1200" dirty="0" smtClean="0"/>
+                        <a:t>14657.98</a:t>
+                      </a:r>
+                      <a:r>
+                        <a:rPr lang="zh-CN" altLang="en-US" sz="1200" dirty="0" smtClean="0">
+                          <a:ea typeface="宋体" panose="02010600030101010101" pitchFamily="2" charset="-122"/>
+                          <a:sym typeface="+mn-ea"/>
+                        </a:rPr>
+                        <a:t>（</a:t>
+                      </a:r>
+                      <a:r>
+                        <a:rPr lang="en-US" altLang="zh-CN" sz="1200" dirty="0" smtClean="0">
+                          <a:ea typeface="宋体" panose="02010600030101010101" pitchFamily="2" charset="-122"/>
+                          <a:sym typeface="+mn-ea"/>
+                        </a:rPr>
+                        <a:t>string</a:t>
+                      </a:r>
+                      <a:r>
+                        <a:rPr lang="zh-CN" altLang="en-US" sz="1200" dirty="0" smtClean="0">
+                          <a:ea typeface="宋体" panose="02010600030101010101" pitchFamily="2" charset="-122"/>
+                          <a:sym typeface="+mn-ea"/>
+                        </a:rPr>
+                        <a:t>类型读） 提升</a:t>
+                      </a:r>
+                      <a:r>
+                        <a:rPr lang="en-US" altLang="zh-CN" sz="1200" dirty="0" smtClean="0">
+                          <a:ea typeface="宋体" panose="02010600030101010101" pitchFamily="2" charset="-122"/>
+                          <a:sym typeface="+mn-ea"/>
+                        </a:rPr>
+                        <a:t>144%</a:t>
+                      </a:r>
+                    </a:p>
+                    <a:p>
+                      <a:r>
+                        <a:rPr lang="en-US" altLang="zh-CN" sz="1200" dirty="0" smtClean="0">
+                          <a:ea typeface="宋体" panose="02010600030101010101" pitchFamily="2" charset="-122"/>
+                          <a:sym typeface="+mn-ea"/>
+                        </a:rPr>
+                        <a:t>12228.26 </a:t>
+                      </a:r>
+                      <a:r>
+                        <a:rPr lang="zh-CN" altLang="en-US" sz="1200" dirty="0" smtClean="0">
+                          <a:ea typeface="宋体" panose="02010600030101010101" pitchFamily="2" charset="-122"/>
+                          <a:sym typeface="+mn-ea"/>
+                        </a:rPr>
+                        <a:t>（</a:t>
+                      </a:r>
+                      <a:r>
+                        <a:rPr lang="en-US" altLang="zh-CN" sz="1200" dirty="0" smtClean="0">
+                          <a:ea typeface="宋体" panose="02010600030101010101" pitchFamily="2" charset="-122"/>
+                          <a:sym typeface="+mn-ea"/>
+                        </a:rPr>
+                        <a:t>string</a:t>
+                      </a:r>
+                      <a:r>
+                        <a:rPr lang="zh-CN" altLang="en-US" sz="1200" dirty="0" smtClean="0">
+                          <a:ea typeface="宋体" panose="02010600030101010101" pitchFamily="2" charset="-122"/>
+                          <a:sym typeface="+mn-ea"/>
+                        </a:rPr>
+                        <a:t>类型写）</a:t>
+                      </a:r>
+                      <a:endParaRPr lang="en-US" altLang="zh-CN" sz="1200" dirty="0" smtClean="0">
+                        <a:ea typeface="宋体" panose="02010600030101010101" pitchFamily="2" charset="-122"/>
+                        <a:sym typeface="+mn-ea"/>
+                      </a:endParaRPr>
+                    </a:p>
+                    <a:p>
+                      <a:pPr marL="0" marR="0" indent="0" algn="l" defTabSz="914400" rtl="0" eaLnBrk="1" fontAlgn="auto" latinLnBrk="0" hangingPunct="1">
+                        <a:lnSpc>
+                          <a:spcPct val="100000"/>
+                        </a:lnSpc>
+                        <a:spcBef>
+                          <a:spcPts val="0"/>
+                        </a:spcBef>
+                        <a:spcAft>
+                          <a:spcPts val="0"/>
+                        </a:spcAft>
+                        <a:buClrTx/>
+                        <a:buSzTx/>
+                        <a:buFontTx/>
+                        <a:buNone/>
+                        <a:tabLst/>
+                        <a:defRPr/>
+                      </a:pPr>
+                      <a:r>
+                        <a:rPr lang="zh-CN" altLang="en-US" sz="1200" dirty="0" smtClean="0">
+                          <a:ea typeface="宋体" panose="02010600030101010101" pitchFamily="2" charset="-122"/>
+                        </a:rPr>
+                        <a:t>约</a:t>
+                      </a:r>
+                      <a:r>
+                        <a:rPr lang="en-US" altLang="zh-CN" sz="1200" dirty="0" smtClean="0">
+                          <a:ea typeface="宋体" panose="02010600030101010101" pitchFamily="2" charset="-122"/>
+                        </a:rPr>
+                        <a:t>7000+</a:t>
+                      </a:r>
+                      <a:r>
                         <a:rPr lang="zh-CN" altLang="zh-CN" sz="1200" dirty="0" smtClean="0">
                           <a:ea typeface="宋体" panose="02010600030101010101" pitchFamily="2" charset="-122"/>
                         </a:rPr>
-                        <a:t>3770.42（hmget获取哈希表单个键的</a:t>
+                        <a:t>（hmget获取哈希表单个键的</a:t>
                       </a:r>
                       <a:r>
                         <a:rPr lang="en-US" altLang="zh-CN" sz="1200" dirty="0" smtClean="0">
@@ -6343,39 +6244,6 @@
                       <a:endParaRPr lang="en-US" altLang="zh-CN" sz="1200" dirty="0" smtClean="0">
                         <a:ea typeface="宋体" panose="02010600030101010101" pitchFamily="2" charset="-122"/>
                       </a:endParaRPr>
-                    </a:p>
-                    <a:p>
-                      <a:r>
-                        <a:rPr lang="en-US" altLang="zh-CN" sz="1200" dirty="0" smtClean="0">
-                          <a:ea typeface="宋体" panose="02010600030101010101" pitchFamily="2" charset="-122"/>
-                        </a:rPr>
-                        <a:t>6000+</a:t>
-                      </a:r>
-                      <a:r>
-                        <a:rPr lang="zh-CN" altLang="en-US" sz="1200" dirty="0" smtClean="0">
-                          <a:ea typeface="宋体" panose="02010600030101010101" pitchFamily="2" charset="-122"/>
-                        </a:rPr>
-                        <a:t>（</a:t>
-                      </a:r>
-                      <a:r>
-                        <a:rPr lang="zh-CN" altLang="zh-CN" sz="1200" dirty="0" smtClean="0">
-                          <a:ea typeface="宋体" panose="02010600030101010101" pitchFamily="2" charset="-122"/>
-                        </a:rPr>
-                        <a:t>简单</a:t>
-                      </a:r>
-                      <a:r>
-                        <a:rPr lang="en-US" altLang="zh-CN" sz="1200" dirty="0" smtClean="0">
-                          <a:ea typeface="宋体" panose="02010600030101010101" pitchFamily="2" charset="-122"/>
-                        </a:rPr>
-                        <a:t>string</a:t>
-                      </a:r>
-                      <a:r>
-                        <a:rPr lang="zh-CN" altLang="en-US" sz="1200" dirty="0" smtClean="0">
-                          <a:ea typeface="宋体" panose="02010600030101010101" pitchFamily="2" charset="-122"/>
-                        </a:rPr>
-                        <a:t>类型）</a:t>
-                      </a:r>
-                      <a:endParaRPr lang="zh-CN" altLang="en-US" sz="1200" dirty="0"/>
                     </a:p>
                   </a:txBody>
                   <a:tcPr/>
@@ -6613,6 +6481,7 @@
       </a:bgFillStyleLst>
     </a:fmtScheme>
   </a:themeElements>
+  <a:objectDefaults/>
   <a:extraClrSchemeLst>
     <a:extraClrScheme>
       <a:clrScheme name="01 1">
@@ -6740,7 +6609,7 @@
   </a:extraClrSchemeLst>
   <a:extLst>
     <a:ext uri="{05A4C25C-085E-4340-85A3-A5531E510DB2}">
-      <thm15:themeFamily xmlns:thm15="http://schemas.microsoft.com/office/thememl/2012/main" name="Office Theme" id="{62F939B6-93AF-4DB8-9C6B-D6C7DFDC589F}" vid="{4A3C46E8-61CC-4603-A589-7422A47A8E4A}"/>
+      <thm15:themeFamily xmlns:thm15="http://schemas.microsoft.com/office/thememl/2012/main" xmlns="" name="Office Theme" id="{62F939B6-93AF-4DB8-9C6B-D6C7DFDC589F}" vid="{4A3C46E8-61CC-4603-A589-7422A47A8E4A}"/>
     </a:ext>
   </a:extLst>
 </a:theme>
@@ -6754,7 +6623,7 @@
         <a:sysClr val="windowText" lastClr="000000"/>
       </a:dk1>
       <a:lt1>
-        <a:sysClr val="window" lastClr="FFFFFF"/>
+        <a:sysClr val="window" lastClr="CCE8CF"/>
       </a:lt1>
       <a:dk2>
         <a:srgbClr val="44546A"/>
@@ -6997,9 +6866,11 @@
       </a:bgFillStyleLst>
     </a:fmtScheme>
   </a:themeElements>
+  <a:objectDefaults/>
+  <a:extraClrSchemeLst/>
   <a:extLst>
     <a:ext uri="{05A4C25C-085E-4340-85A3-A5531E510DB2}">
-      <thm15:themeFamily xmlns:thm15="http://schemas.microsoft.com/office/thememl/2012/main" name="Office Theme" id="{62F939B6-93AF-4DB8-9C6B-D6C7DFDC589F}" vid="{4A3C46E8-61CC-4603-A589-7422A47A8E4A}"/>
+      <thm15:themeFamily xmlns:thm15="http://schemas.microsoft.com/office/thememl/2012/main" xmlns="" name="Office Theme" id="{62F939B6-93AF-4DB8-9C6B-D6C7DFDC589F}" vid="{4A3C46E8-61CC-4603-A589-7422A47A8E4A}"/>
     </a:ext>
   </a:extLst>
 </a:theme>
